--- a/Single_Learning_Element/Powerpoint/Einführung/Einfuerung.pptx
+++ b/Single_Learning_Element/Powerpoint/Einführung/Einfuerung.pptx
@@ -15,16 +15,16 @@
     <p:sldId id="267" r:id="rId6"/>
     <p:sldId id="266" r:id="rId7"/>
     <p:sldId id="274" r:id="rId8"/>
-    <p:sldId id="264" r:id="rId9"/>
-    <p:sldId id="268" r:id="rId10"/>
-    <p:sldId id="269" r:id="rId11"/>
-    <p:sldId id="270" r:id="rId12"/>
-    <p:sldId id="271" r:id="rId13"/>
-    <p:sldId id="272" r:id="rId14"/>
-    <p:sldId id="273" r:id="rId15"/>
-    <p:sldId id="259" r:id="rId16"/>
-    <p:sldId id="260" r:id="rId17"/>
-    <p:sldId id="261" r:id="rId18"/>
+    <p:sldId id="261" r:id="rId9"/>
+    <p:sldId id="264" r:id="rId10"/>
+    <p:sldId id="268" r:id="rId11"/>
+    <p:sldId id="269" r:id="rId12"/>
+    <p:sldId id="270" r:id="rId13"/>
+    <p:sldId id="271" r:id="rId14"/>
+    <p:sldId id="272" r:id="rId15"/>
+    <p:sldId id="273" r:id="rId16"/>
+    <p:sldId id="259" r:id="rId17"/>
+    <p:sldId id="260" r:id="rId18"/>
     <p:sldId id="265" r:id="rId19"/>
     <p:sldId id="275" r:id="rId20"/>
   </p:sldIdLst>
@@ -1814,7 +1814,7 @@
     </p:spTree>
     <p:extLst>
       <p:ext uri="{BB962C8B-B14F-4D97-AF65-F5344CB8AC3E}">
-        <p14:creationId xmlns:p14="http://schemas.microsoft.com/office/powerpoint/2010/main" val="2432875859"/>
+        <p14:creationId xmlns:p14="http://schemas.microsoft.com/office/powerpoint/2010/main" val="1005579244"/>
       </p:ext>
     </p:extLst>
   </p:cSld>
@@ -1983,7 +1983,7 @@
     </p:spTree>
     <p:extLst>
       <p:ext uri="{BB962C8B-B14F-4D97-AF65-F5344CB8AC3E}">
-        <p14:creationId xmlns:p14="http://schemas.microsoft.com/office/powerpoint/2010/main" val="404014386"/>
+        <p14:creationId xmlns:p14="http://schemas.microsoft.com/office/powerpoint/2010/main" val="2432875859"/>
       </p:ext>
     </p:extLst>
   </p:cSld>
@@ -2152,7 +2152,7 @@
     </p:spTree>
     <p:extLst>
       <p:ext uri="{BB962C8B-B14F-4D97-AF65-F5344CB8AC3E}">
-        <p14:creationId xmlns:p14="http://schemas.microsoft.com/office/powerpoint/2010/main" val="3475689846"/>
+        <p14:creationId xmlns:p14="http://schemas.microsoft.com/office/powerpoint/2010/main" val="404014386"/>
       </p:ext>
     </p:extLst>
   </p:cSld>
@@ -2321,7 +2321,7 @@
     </p:spTree>
     <p:extLst>
       <p:ext uri="{BB962C8B-B14F-4D97-AF65-F5344CB8AC3E}">
-        <p14:creationId xmlns:p14="http://schemas.microsoft.com/office/powerpoint/2010/main" val="4101840310"/>
+        <p14:creationId xmlns:p14="http://schemas.microsoft.com/office/powerpoint/2010/main" val="3475689846"/>
       </p:ext>
     </p:extLst>
   </p:cSld>
@@ -2490,6 +2490,175 @@
     </p:spTree>
     <p:extLst>
       <p:ext uri="{BB962C8B-B14F-4D97-AF65-F5344CB8AC3E}">
+        <p14:creationId xmlns:p14="http://schemas.microsoft.com/office/powerpoint/2010/main" val="4101840310"/>
+      </p:ext>
+    </p:extLst>
+  </p:cSld>
+  <p:clrMapOvr>
+    <a:masterClrMapping/>
+  </p:clrMapOvr>
+</p:notes>
+</file>
+
+<file path=ppt/notesSlides/notesSlide15.xml><?xml version="1.0" encoding="utf-8"?>
+<p:notes xmlns:a="http://schemas.openxmlformats.org/drawingml/2006/main" xmlns:r="http://schemas.openxmlformats.org/officeDocument/2006/relationships" xmlns:p="http://schemas.openxmlformats.org/presentationml/2006/main" showMasterSp="0" showMasterPhAnim="0">
+  <p:cSld>
+    <p:spTree>
+      <p:nvGrpSpPr>
+        <p:cNvPr id="1" name="Shape 58"/>
+        <p:cNvGrpSpPr/>
+        <p:nvPr/>
+      </p:nvGrpSpPr>
+      <p:grpSpPr>
+        <a:xfrm>
+          <a:off x="0" y="0"/>
+          <a:ext cx="0" cy="0"/>
+          <a:chOff x="0" y="0"/>
+          <a:chExt cx="0" cy="0"/>
+        </a:xfrm>
+      </p:grpSpPr>
+      <p:sp>
+        <p:nvSpPr>
+          <p:cNvPr id="59" name="Google Shape;59;p2:notes"/>
+          <p:cNvSpPr>
+            <a:spLocks noGrp="1" noRot="1" noChangeAspect="1"/>
+          </p:cNvSpPr>
+          <p:nvPr>
+            <p:ph type="sldImg" idx="2"/>
+          </p:nvPr>
+        </p:nvSpPr>
+        <p:spPr>
+          <a:xfrm>
+            <a:off x="685800" y="1143000"/>
+            <a:ext cx="5486400" cy="3086100"/>
+          </a:xfrm>
+          <a:custGeom>
+            <a:avLst/>
+            <a:gdLst/>
+            <a:ahLst/>
+            <a:cxnLst/>
+            <a:rect l="l" t="t" r="r" b="b"/>
+            <a:pathLst>
+              <a:path w="120000" h="120000" extrusionOk="0">
+                <a:moveTo>
+                  <a:pt x="0" y="0"/>
+                </a:moveTo>
+                <a:lnTo>
+                  <a:pt x="120000" y="0"/>
+                </a:lnTo>
+                <a:lnTo>
+                  <a:pt x="120000" y="120000"/>
+                </a:lnTo>
+                <a:lnTo>
+                  <a:pt x="0" y="120000"/>
+                </a:lnTo>
+                <a:close/>
+              </a:path>
+            </a:pathLst>
+          </a:custGeom>
+          <a:noFill/>
+          <a:ln w="12700" cap="flat" cmpd="sng">
+            <a:solidFill>
+              <a:srgbClr val="000000"/>
+            </a:solidFill>
+            <a:prstDash val="solid"/>
+            <a:round/>
+            <a:headEnd type="none" w="sm" len="sm"/>
+            <a:tailEnd type="none" w="sm" len="sm"/>
+          </a:ln>
+        </p:spPr>
+      </p:sp>
+      <p:sp>
+        <p:nvSpPr>
+          <p:cNvPr id="60" name="Google Shape;60;p2:notes"/>
+          <p:cNvSpPr txBox="1">
+            <a:spLocks noGrp="1"/>
+          </p:cNvSpPr>
+          <p:nvPr>
+            <p:ph type="body" idx="1"/>
+          </p:nvPr>
+        </p:nvSpPr>
+        <p:spPr>
+          <a:xfrm>
+            <a:off x="685800" y="4400550"/>
+            <a:ext cx="5486400" cy="3600450"/>
+          </a:xfrm>
+          <a:prstGeom prst="rect">
+            <a:avLst/>
+          </a:prstGeom>
+          <a:noFill/>
+          <a:ln>
+            <a:noFill/>
+          </a:ln>
+        </p:spPr>
+        <p:txBody>
+          <a:bodyPr spcFirstLastPara="1" wrap="square" lIns="91425" tIns="45700" rIns="91425" bIns="45700" anchor="t" anchorCtr="0">
+            <a:noAutofit/>
+          </a:bodyPr>
+          <a:lstStyle/>
+          <a:p>
+            <a:pPr marL="0" lvl="0" indent="0" algn="l" rtl="0">
+              <a:spcBef>
+                <a:spcPts val="0"/>
+              </a:spcBef>
+              <a:spcAft>
+                <a:spcPts val="0"/>
+              </a:spcAft>
+              <a:buNone/>
+            </a:pPr>
+            <a:endParaRPr/>
+          </a:p>
+        </p:txBody>
+      </p:sp>
+      <p:sp>
+        <p:nvSpPr>
+          <p:cNvPr id="61" name="Google Shape;61;p2:notes"/>
+          <p:cNvSpPr txBox="1">
+            <a:spLocks noGrp="1"/>
+          </p:cNvSpPr>
+          <p:nvPr>
+            <p:ph type="sldNum" idx="12"/>
+          </p:nvPr>
+        </p:nvSpPr>
+        <p:spPr>
+          <a:xfrm>
+            <a:off x="3884613" y="8685213"/>
+            <a:ext cx="2971800" cy="458787"/>
+          </a:xfrm>
+          <a:prstGeom prst="rect">
+            <a:avLst/>
+          </a:prstGeom>
+          <a:noFill/>
+          <a:ln>
+            <a:noFill/>
+          </a:ln>
+        </p:spPr>
+        <p:txBody>
+          <a:bodyPr spcFirstLastPara="1" wrap="square" lIns="91425" tIns="45700" rIns="91425" bIns="45700" anchor="b" anchorCtr="0">
+            <a:noAutofit/>
+          </a:bodyPr>
+          <a:lstStyle/>
+          <a:p>
+            <a:pPr marL="0" lvl="0" indent="0" algn="r" rtl="0">
+              <a:spcBef>
+                <a:spcPts val="0"/>
+              </a:spcBef>
+              <a:spcAft>
+                <a:spcPts val="0"/>
+              </a:spcAft>
+              <a:buNone/>
+            </a:pPr>
+            <a:fld id="{00000000-1234-1234-1234-123412341234}" type="slidenum">
+              <a:rPr lang="en-US"/>
+              <a:t>15</a:t>
+            </a:fld>
+            <a:endParaRPr/>
+          </a:p>
+        </p:txBody>
+      </p:sp>
+    </p:spTree>
+    <p:extLst>
+      <p:ext uri="{BB962C8B-B14F-4D97-AF65-F5344CB8AC3E}">
         <p14:creationId xmlns:p14="http://schemas.microsoft.com/office/powerpoint/2010/main" val="2549977094"/>
       </p:ext>
     </p:extLst>
@@ -2500,7 +2669,7 @@
 </p:notes>
 </file>
 
-<file path=ppt/notesSlides/notesSlide15.xml><?xml version="1.0" encoding="utf-8"?>
+<file path=ppt/notesSlides/notesSlide16.xml><?xml version="1.0" encoding="utf-8"?>
 <p:notes xmlns:a="http://schemas.openxmlformats.org/drawingml/2006/main" xmlns:r="http://schemas.openxmlformats.org/officeDocument/2006/relationships" xmlns:p="http://schemas.openxmlformats.org/presentationml/2006/main" showMasterSp="0" showMasterPhAnim="0">
   <p:cSld>
     <p:spTree>
@@ -2650,7 +2819,7 @@
             </a:pPr>
             <a:fld id="{00000000-1234-1234-1234-123412341234}" type="slidenum">
               <a:rPr lang="en-US"/>
-              <a:t>15</a:t>
+              <a:t>16</a:t>
             </a:fld>
             <a:endParaRPr/>
           </a:p>
@@ -2664,7 +2833,7 @@
 </p:notes>
 </file>
 
-<file path=ppt/notesSlides/notesSlide16.xml><?xml version="1.0" encoding="utf-8"?>
+<file path=ppt/notesSlides/notesSlide17.xml><?xml version="1.0" encoding="utf-8"?>
 <p:notes xmlns:a="http://schemas.openxmlformats.org/drawingml/2006/main" xmlns:r="http://schemas.openxmlformats.org/officeDocument/2006/relationships" xmlns:p="http://schemas.openxmlformats.org/presentationml/2006/main" showMasterSp="0" showMasterPhAnim="0">
   <p:cSld>
     <p:spTree>
@@ -2777,170 +2946,6 @@
       <p:sp>
         <p:nvSpPr>
           <p:cNvPr id="91" name="Google Shape;91;p1:notes"/>
-          <p:cNvSpPr txBox="1">
-            <a:spLocks noGrp="1"/>
-          </p:cNvSpPr>
-          <p:nvPr>
-            <p:ph type="sldNum" idx="12"/>
-          </p:nvPr>
-        </p:nvSpPr>
-        <p:spPr>
-          <a:xfrm>
-            <a:off x="3884613" y="8685213"/>
-            <a:ext cx="2971800" cy="458787"/>
-          </a:xfrm>
-          <a:prstGeom prst="rect">
-            <a:avLst/>
-          </a:prstGeom>
-          <a:noFill/>
-          <a:ln>
-            <a:noFill/>
-          </a:ln>
-        </p:spPr>
-        <p:txBody>
-          <a:bodyPr spcFirstLastPara="1" wrap="square" lIns="91425" tIns="45700" rIns="91425" bIns="45700" anchor="b" anchorCtr="0">
-            <a:noAutofit/>
-          </a:bodyPr>
-          <a:lstStyle/>
-          <a:p>
-            <a:pPr marL="0" lvl="0" indent="0" algn="r" rtl="0">
-              <a:spcBef>
-                <a:spcPts val="0"/>
-              </a:spcBef>
-              <a:spcAft>
-                <a:spcPts val="0"/>
-              </a:spcAft>
-              <a:buNone/>
-            </a:pPr>
-            <a:fld id="{00000000-1234-1234-1234-123412341234}" type="slidenum">
-              <a:rPr lang="en-US"/>
-              <a:t>16</a:t>
-            </a:fld>
-            <a:endParaRPr/>
-          </a:p>
-        </p:txBody>
-      </p:sp>
-    </p:spTree>
-  </p:cSld>
-  <p:clrMapOvr>
-    <a:masterClrMapping/>
-  </p:clrMapOvr>
-</p:notes>
-</file>
-
-<file path=ppt/notesSlides/notesSlide17.xml><?xml version="1.0" encoding="utf-8"?>
-<p:notes xmlns:a="http://schemas.openxmlformats.org/drawingml/2006/main" xmlns:r="http://schemas.openxmlformats.org/officeDocument/2006/relationships" xmlns:p="http://schemas.openxmlformats.org/presentationml/2006/main" showMasterSp="0" showMasterPhAnim="0">
-  <p:cSld>
-    <p:spTree>
-      <p:nvGrpSpPr>
-        <p:cNvPr id="1" name="Shape 98"/>
-        <p:cNvGrpSpPr/>
-        <p:nvPr/>
-      </p:nvGrpSpPr>
-      <p:grpSpPr>
-        <a:xfrm>
-          <a:off x="0" y="0"/>
-          <a:ext cx="0" cy="0"/>
-          <a:chOff x="0" y="0"/>
-          <a:chExt cx="0" cy="0"/>
-        </a:xfrm>
-      </p:grpSpPr>
-      <p:sp>
-        <p:nvSpPr>
-          <p:cNvPr id="99" name="Google Shape;99;p5:notes"/>
-          <p:cNvSpPr>
-            <a:spLocks noGrp="1" noRot="1" noChangeAspect="1"/>
-          </p:cNvSpPr>
-          <p:nvPr>
-            <p:ph type="sldImg" idx="2"/>
-          </p:nvPr>
-        </p:nvSpPr>
-        <p:spPr>
-          <a:xfrm>
-            <a:off x="685800" y="1143000"/>
-            <a:ext cx="5486400" cy="3086100"/>
-          </a:xfrm>
-          <a:custGeom>
-            <a:avLst/>
-            <a:gdLst/>
-            <a:ahLst/>
-            <a:cxnLst/>
-            <a:rect l="l" t="t" r="r" b="b"/>
-            <a:pathLst>
-              <a:path w="120000" h="120000" extrusionOk="0">
-                <a:moveTo>
-                  <a:pt x="0" y="0"/>
-                </a:moveTo>
-                <a:lnTo>
-                  <a:pt x="120000" y="0"/>
-                </a:lnTo>
-                <a:lnTo>
-                  <a:pt x="120000" y="120000"/>
-                </a:lnTo>
-                <a:lnTo>
-                  <a:pt x="0" y="120000"/>
-                </a:lnTo>
-                <a:close/>
-              </a:path>
-            </a:pathLst>
-          </a:custGeom>
-          <a:noFill/>
-          <a:ln w="12700" cap="flat" cmpd="sng">
-            <a:solidFill>
-              <a:srgbClr val="000000"/>
-            </a:solidFill>
-            <a:prstDash val="solid"/>
-            <a:round/>
-            <a:headEnd type="none" w="sm" len="sm"/>
-            <a:tailEnd type="none" w="sm" len="sm"/>
-          </a:ln>
-        </p:spPr>
-      </p:sp>
-      <p:sp>
-        <p:nvSpPr>
-          <p:cNvPr id="100" name="Google Shape;100;p5:notes"/>
-          <p:cNvSpPr txBox="1">
-            <a:spLocks noGrp="1"/>
-          </p:cNvSpPr>
-          <p:nvPr>
-            <p:ph type="body" idx="1"/>
-          </p:nvPr>
-        </p:nvSpPr>
-        <p:spPr>
-          <a:xfrm>
-            <a:off x="685800" y="4400550"/>
-            <a:ext cx="5486400" cy="3600450"/>
-          </a:xfrm>
-          <a:prstGeom prst="rect">
-            <a:avLst/>
-          </a:prstGeom>
-          <a:noFill/>
-          <a:ln>
-            <a:noFill/>
-          </a:ln>
-        </p:spPr>
-        <p:txBody>
-          <a:bodyPr spcFirstLastPara="1" wrap="square" lIns="91425" tIns="45700" rIns="91425" bIns="45700" anchor="t" anchorCtr="0">
-            <a:noAutofit/>
-          </a:bodyPr>
-          <a:lstStyle/>
-          <a:p>
-            <a:pPr marL="0" lvl="0" indent="0" algn="l" rtl="0">
-              <a:spcBef>
-                <a:spcPts val="0"/>
-              </a:spcBef>
-              <a:spcAft>
-                <a:spcPts val="0"/>
-              </a:spcAft>
-              <a:buNone/>
-            </a:pPr>
-            <a:endParaRPr/>
-          </a:p>
-        </p:txBody>
-      </p:sp>
-      <p:sp>
-        <p:nvSpPr>
-          <p:cNvPr id="101" name="Google Shape;101;p5:notes"/>
           <p:cNvSpPr txBox="1">
             <a:spLocks noGrp="1"/>
           </p:cNvSpPr>
@@ -4339,7 +4344,7 @@
   <p:cSld>
     <p:spTree>
       <p:nvGrpSpPr>
-        <p:cNvPr id="1" name="Shape 58"/>
+        <p:cNvPr id="1" name="Shape 98"/>
         <p:cNvGrpSpPr/>
         <p:nvPr/>
       </p:nvGrpSpPr>
@@ -4353,7 +4358,7 @@
       </p:grpSpPr>
       <p:sp>
         <p:nvSpPr>
-          <p:cNvPr id="59" name="Google Shape;59;p2:notes"/>
+          <p:cNvPr id="99" name="Google Shape;99;p5:notes"/>
           <p:cNvSpPr>
             <a:spLocks noGrp="1" noRot="1" noChangeAspect="1"/>
           </p:cNvSpPr>
@@ -4404,7 +4409,7 @@
       </p:sp>
       <p:sp>
         <p:nvSpPr>
-          <p:cNvPr id="60" name="Google Shape;60;p2:notes"/>
+          <p:cNvPr id="100" name="Google Shape;100;p5:notes"/>
           <p:cNvSpPr txBox="1">
             <a:spLocks noGrp="1"/>
           </p:cNvSpPr>
@@ -4446,7 +4451,7 @@
       </p:sp>
       <p:sp>
         <p:nvSpPr>
-          <p:cNvPr id="61" name="Google Shape;61;p2:notes"/>
+          <p:cNvPr id="101" name="Google Shape;101;p5:notes"/>
           <p:cNvSpPr txBox="1">
             <a:spLocks noGrp="1"/>
           </p:cNvSpPr>
@@ -4491,11 +4496,6 @@
         </p:txBody>
       </p:sp>
     </p:spTree>
-    <p:extLst>
-      <p:ext uri="{BB962C8B-B14F-4D97-AF65-F5344CB8AC3E}">
-        <p14:creationId xmlns:p14="http://schemas.microsoft.com/office/powerpoint/2010/main" val="1079130310"/>
-      </p:ext>
-    </p:extLst>
   </p:cSld>
   <p:clrMapOvr>
     <a:masterClrMapping/>
@@ -4662,7 +4662,7 @@
     </p:spTree>
     <p:extLst>
       <p:ext uri="{BB962C8B-B14F-4D97-AF65-F5344CB8AC3E}">
-        <p14:creationId xmlns:p14="http://schemas.microsoft.com/office/powerpoint/2010/main" val="1005579244"/>
+        <p14:creationId xmlns:p14="http://schemas.microsoft.com/office/powerpoint/2010/main" val="1079130310"/>
       </p:ext>
     </p:extLst>
   </p:cSld>
@@ -6325,6 +6325,1289 @@
                 <a:cs typeface="Roboto"/>
                 <a:sym typeface="Roboto"/>
               </a:rPr>
+              <a:t>Abb. 2: NIR</a:t>
+            </a:r>
+            <a:endParaRPr sz="1800" b="1" i="0" u="none" strike="noStrike" cap="none" dirty="0">
+              <a:solidFill>
+                <a:schemeClr val="dk1"/>
+              </a:solidFill>
+              <a:latin typeface="Roboto"/>
+              <a:ea typeface="Roboto"/>
+              <a:cs typeface="Roboto"/>
+              <a:sym typeface="Roboto"/>
+            </a:endParaRPr>
+          </a:p>
+        </p:txBody>
+      </p:sp>
+      <p:sp>
+        <p:nvSpPr>
+          <p:cNvPr id="70" name="Google Shape;70;p5"/>
+          <p:cNvSpPr/>
+          <p:nvPr/>
+        </p:nvSpPr>
+        <p:spPr>
+          <a:xfrm>
+            <a:off x="1400175" y="3333750"/>
+            <a:ext cx="5810250" cy="600075"/>
+          </a:xfrm>
+          <a:prstGeom prst="rect">
+            <a:avLst/>
+          </a:prstGeom>
+          <a:noFill/>
+          <a:ln>
+            <a:noFill/>
+          </a:ln>
+        </p:spPr>
+        <p:txBody>
+          <a:bodyPr spcFirstLastPara="1" wrap="square" lIns="0" tIns="0" rIns="0" bIns="0" anchor="t" anchorCtr="0">
+            <a:noAutofit/>
+          </a:bodyPr>
+          <a:lstStyle/>
+          <a:p>
+            <a:pPr marL="0" marR="0" lvl="0" indent="0" algn="l" rtl="0">
+              <a:lnSpc>
+                <a:spcPct val="117499"/>
+              </a:lnSpc>
+              <a:spcBef>
+                <a:spcPts val="0"/>
+              </a:spcBef>
+              <a:spcAft>
+                <a:spcPts val="0"/>
+              </a:spcAft>
+              <a:buClr>
+                <a:srgbClr val="1E1E1E"/>
+              </a:buClr>
+              <a:buSzPts val="3000"/>
+              <a:buFont typeface="Urbanist Black"/>
+              <a:buNone/>
+            </a:pPr>
+            <a:r>
+              <a:rPr lang="en-US" sz="3000" b="0" i="0" u="none" strike="noStrike" cap="none" dirty="0" err="1">
+                <a:solidFill>
+                  <a:srgbClr val="1E1E1E"/>
+                </a:solidFill>
+                <a:latin typeface="Urbanist Black"/>
+                <a:ea typeface="Urbanist Black"/>
+                <a:cs typeface="Urbanist Black"/>
+                <a:sym typeface="Urbanist Black"/>
+              </a:rPr>
+              <a:t>Nahinf</a:t>
+            </a:r>
+            <a:r>
+              <a:rPr lang="en-US" sz="3000" dirty="0" err="1">
+                <a:solidFill>
+                  <a:srgbClr val="1E1E1E"/>
+                </a:solidFill>
+                <a:latin typeface="Urbanist Black"/>
+                <a:ea typeface="Urbanist Black"/>
+                <a:cs typeface="Urbanist Black"/>
+                <a:sym typeface="Urbanist Black"/>
+              </a:rPr>
+              <a:t>rarotaufnahmen</a:t>
+            </a:r>
+            <a:endParaRPr sz="3000" b="0" i="0" u="none" strike="noStrike" cap="none" dirty="0">
+              <a:solidFill>
+                <a:schemeClr val="dk1"/>
+              </a:solidFill>
+              <a:latin typeface="Calibri"/>
+              <a:ea typeface="Calibri"/>
+              <a:cs typeface="Calibri"/>
+              <a:sym typeface="Calibri"/>
+            </a:endParaRPr>
+          </a:p>
+        </p:txBody>
+      </p:sp>
+      <p:sp>
+        <p:nvSpPr>
+          <p:cNvPr id="71" name="Google Shape;71;p5"/>
+          <p:cNvSpPr/>
+          <p:nvPr/>
+        </p:nvSpPr>
+        <p:spPr>
+          <a:xfrm>
+            <a:off x="1400175" y="4133850"/>
+            <a:ext cx="8934450" cy="4695357"/>
+          </a:xfrm>
+          <a:prstGeom prst="rect">
+            <a:avLst/>
+          </a:prstGeom>
+          <a:noFill/>
+          <a:ln>
+            <a:noFill/>
+          </a:ln>
+        </p:spPr>
+        <p:txBody>
+          <a:bodyPr spcFirstLastPara="1" wrap="square" lIns="0" tIns="0" rIns="0" bIns="0" anchor="t" anchorCtr="0">
+            <a:noAutofit/>
+          </a:bodyPr>
+          <a:lstStyle/>
+          <a:p>
+            <a:pPr marL="0" marR="0" lvl="0" indent="0" algn="l" rtl="0">
+              <a:lnSpc>
+                <a:spcPct val="115625"/>
+              </a:lnSpc>
+              <a:spcBef>
+                <a:spcPts val="0"/>
+              </a:spcBef>
+              <a:spcAft>
+                <a:spcPts val="0"/>
+              </a:spcAft>
+              <a:buClr>
+                <a:srgbClr val="1E1E1E"/>
+              </a:buClr>
+              <a:buSzPts val="2400"/>
+              <a:buFont typeface="Urbanist Medium"/>
+              <a:buNone/>
+            </a:pPr>
+            <a:r>
+              <a:rPr lang="en-US" sz="2300" dirty="0" err="1">
+                <a:solidFill>
+                  <a:srgbClr val="1E1E1E"/>
+                </a:solidFill>
+                <a:latin typeface="Urbanist Medium"/>
+                <a:ea typeface="Urbanist Medium"/>
+                <a:cs typeface="Urbanist Medium"/>
+                <a:sym typeface="Urbanist Medium"/>
+              </a:rPr>
+              <a:t>Nahinfrarot</a:t>
+            </a:r>
+            <a:r>
+              <a:rPr lang="en-US" sz="2300" dirty="0">
+                <a:solidFill>
+                  <a:srgbClr val="1E1E1E"/>
+                </a:solidFill>
+                <a:latin typeface="Urbanist Medium"/>
+                <a:ea typeface="Urbanist Medium"/>
+                <a:cs typeface="Urbanist Medium"/>
+                <a:sym typeface="Urbanist Medium"/>
+              </a:rPr>
+              <a:t> (NIR) </a:t>
+            </a:r>
+            <a:r>
+              <a:rPr lang="en-US" sz="2300" dirty="0" err="1">
+                <a:solidFill>
+                  <a:srgbClr val="1E1E1E"/>
+                </a:solidFill>
+                <a:latin typeface="Urbanist Medium"/>
+                <a:ea typeface="Urbanist Medium"/>
+                <a:cs typeface="Urbanist Medium"/>
+                <a:sym typeface="Urbanist Medium"/>
+              </a:rPr>
+              <a:t>wurde</a:t>
+            </a:r>
+            <a:r>
+              <a:rPr lang="en-US" sz="2300" dirty="0">
+                <a:solidFill>
+                  <a:srgbClr val="1E1E1E"/>
+                </a:solidFill>
+                <a:latin typeface="Urbanist Medium"/>
+                <a:ea typeface="Urbanist Medium"/>
+                <a:cs typeface="Urbanist Medium"/>
+                <a:sym typeface="Urbanist Medium"/>
+              </a:rPr>
+              <a:t> </a:t>
+            </a:r>
+            <a:r>
+              <a:rPr lang="en-US" sz="2300" dirty="0" err="1">
+                <a:solidFill>
+                  <a:srgbClr val="1E1E1E"/>
+                </a:solidFill>
+                <a:latin typeface="Urbanist Medium"/>
+                <a:ea typeface="Urbanist Medium"/>
+                <a:cs typeface="Urbanist Medium"/>
+                <a:sym typeface="Urbanist Medium"/>
+              </a:rPr>
+              <a:t>erstmals</a:t>
+            </a:r>
+            <a:r>
+              <a:rPr lang="en-US" sz="2300" dirty="0">
+                <a:solidFill>
+                  <a:srgbClr val="1E1E1E"/>
+                </a:solidFill>
+                <a:latin typeface="Urbanist Medium"/>
+                <a:ea typeface="Urbanist Medium"/>
+                <a:cs typeface="Urbanist Medium"/>
+                <a:sym typeface="Urbanist Medium"/>
+              </a:rPr>
+              <a:t> 1910 für </a:t>
+            </a:r>
+            <a:r>
+              <a:rPr lang="en-US" sz="2300" dirty="0" err="1">
+                <a:solidFill>
+                  <a:srgbClr val="1E1E1E"/>
+                </a:solidFill>
+                <a:latin typeface="Urbanist Medium"/>
+                <a:ea typeface="Urbanist Medium"/>
+                <a:cs typeface="Urbanist Medium"/>
+                <a:sym typeface="Urbanist Medium"/>
+              </a:rPr>
+              <a:t>eine</a:t>
+            </a:r>
+            <a:r>
+              <a:rPr lang="en-US" sz="2300" dirty="0">
+                <a:solidFill>
+                  <a:srgbClr val="1E1E1E"/>
+                </a:solidFill>
+                <a:latin typeface="Urbanist Medium"/>
+                <a:ea typeface="Urbanist Medium"/>
+                <a:cs typeface="Urbanist Medium"/>
+                <a:sym typeface="Urbanist Medium"/>
+              </a:rPr>
+              <a:t> </a:t>
+            </a:r>
+            <a:r>
+              <a:rPr lang="en-US" sz="2300" dirty="0" err="1">
+                <a:solidFill>
+                  <a:srgbClr val="1E1E1E"/>
+                </a:solidFill>
+                <a:latin typeface="Urbanist Medium"/>
+                <a:ea typeface="Urbanist Medium"/>
+                <a:cs typeface="Urbanist Medium"/>
+                <a:sym typeface="Urbanist Medium"/>
+              </a:rPr>
+              <a:t>Fotoaufnahme</a:t>
+            </a:r>
+            <a:r>
+              <a:rPr lang="en-US" sz="2300" dirty="0">
+                <a:solidFill>
+                  <a:srgbClr val="1E1E1E"/>
+                </a:solidFill>
+                <a:latin typeface="Urbanist Medium"/>
+                <a:ea typeface="Urbanist Medium"/>
+                <a:cs typeface="Urbanist Medium"/>
+                <a:sym typeface="Urbanist Medium"/>
+              </a:rPr>
+              <a:t> </a:t>
+            </a:r>
+            <a:r>
+              <a:rPr lang="en-US" sz="2300" dirty="0" err="1">
+                <a:solidFill>
+                  <a:srgbClr val="1E1E1E"/>
+                </a:solidFill>
+                <a:latin typeface="Urbanist Medium"/>
+                <a:ea typeface="Urbanist Medium"/>
+                <a:cs typeface="Urbanist Medium"/>
+                <a:sym typeface="Urbanist Medium"/>
+              </a:rPr>
+              <a:t>verwendet</a:t>
+            </a:r>
+            <a:r>
+              <a:rPr lang="en-US" sz="2300" dirty="0">
+                <a:solidFill>
+                  <a:srgbClr val="1E1E1E"/>
+                </a:solidFill>
+                <a:latin typeface="Urbanist Medium"/>
+                <a:ea typeface="Urbanist Medium"/>
+                <a:cs typeface="Urbanist Medium"/>
+                <a:sym typeface="Urbanist Medium"/>
+              </a:rPr>
+              <a:t>. I</a:t>
+            </a:r>
+            <a:r>
+              <a:rPr lang="en-US" sz="2300" b="0" i="0" u="none" strike="noStrike" cap="none" dirty="0">
+                <a:solidFill>
+                  <a:srgbClr val="1E1E1E"/>
+                </a:solidFill>
+                <a:latin typeface="Urbanist Medium"/>
+                <a:ea typeface="Urbanist Medium"/>
+                <a:cs typeface="Urbanist Medium"/>
+                <a:sym typeface="Urbanist Medium"/>
+              </a:rPr>
+              <a:t>n der </a:t>
+            </a:r>
+            <a:r>
+              <a:rPr lang="en-US" sz="2300" b="0" i="0" u="none" strike="noStrike" cap="none" dirty="0" err="1">
+                <a:solidFill>
+                  <a:srgbClr val="1E1E1E"/>
+                </a:solidFill>
+                <a:latin typeface="Urbanist Medium"/>
+                <a:ea typeface="Urbanist Medium"/>
+                <a:cs typeface="Urbanist Medium"/>
+                <a:sym typeface="Urbanist Medium"/>
+              </a:rPr>
+              <a:t>Fernerkundung</a:t>
+            </a:r>
+            <a:r>
+              <a:rPr lang="en-US" sz="2300" b="0" i="0" u="none" strike="noStrike" cap="none" dirty="0">
+                <a:solidFill>
+                  <a:srgbClr val="1E1E1E"/>
+                </a:solidFill>
+                <a:latin typeface="Urbanist Medium"/>
+                <a:ea typeface="Urbanist Medium"/>
+                <a:cs typeface="Urbanist Medium"/>
+                <a:sym typeface="Urbanist Medium"/>
+              </a:rPr>
+              <a:t> </a:t>
+            </a:r>
+            <a:r>
+              <a:rPr lang="en-US" sz="2300" b="0" i="0" u="none" strike="noStrike" cap="none" dirty="0" err="1">
+                <a:solidFill>
+                  <a:srgbClr val="1E1E1E"/>
+                </a:solidFill>
+                <a:latin typeface="Urbanist Medium"/>
+                <a:ea typeface="Urbanist Medium"/>
+                <a:cs typeface="Urbanist Medium"/>
+                <a:sym typeface="Urbanist Medium"/>
+              </a:rPr>
+              <a:t>wurde</a:t>
+            </a:r>
+            <a:r>
+              <a:rPr lang="en-US" sz="2300" b="0" i="0" u="none" strike="noStrike" cap="none" dirty="0">
+                <a:solidFill>
+                  <a:srgbClr val="1E1E1E"/>
+                </a:solidFill>
+                <a:latin typeface="Urbanist Medium"/>
+                <a:ea typeface="Urbanist Medium"/>
+                <a:cs typeface="Urbanist Medium"/>
+                <a:sym typeface="Urbanist Medium"/>
+              </a:rPr>
+              <a:t> NIR </a:t>
+            </a:r>
+            <a:r>
+              <a:rPr lang="en-US" sz="2300" dirty="0">
+                <a:solidFill>
+                  <a:srgbClr val="1E1E1E"/>
+                </a:solidFill>
+                <a:latin typeface="Urbanist Medium"/>
+                <a:ea typeface="Urbanist Medium"/>
+                <a:cs typeface="Urbanist Medium"/>
+                <a:sym typeface="Urbanist Medium"/>
+              </a:rPr>
+              <a:t>ab den 1950ern </a:t>
+            </a:r>
+            <a:r>
+              <a:rPr lang="en-US" sz="2300" dirty="0" err="1">
+                <a:solidFill>
+                  <a:srgbClr val="1E1E1E"/>
+                </a:solidFill>
+                <a:latin typeface="Urbanist Medium"/>
+                <a:ea typeface="Urbanist Medium"/>
+                <a:cs typeface="Urbanist Medium"/>
+                <a:sym typeface="Urbanist Medium"/>
+              </a:rPr>
+              <a:t>eingesetzt</a:t>
+            </a:r>
+            <a:r>
+              <a:rPr lang="en-US" sz="2300" dirty="0">
+                <a:solidFill>
+                  <a:srgbClr val="1E1E1E"/>
+                </a:solidFill>
+                <a:latin typeface="Urbanist Medium"/>
+                <a:ea typeface="Urbanist Medium"/>
+                <a:cs typeface="Urbanist Medium"/>
+                <a:sym typeface="Urbanist Medium"/>
+              </a:rPr>
+              <a:t>.</a:t>
+            </a:r>
+          </a:p>
+          <a:p>
+            <a:pPr marL="0" marR="0" lvl="0" indent="0" algn="l" rtl="0">
+              <a:lnSpc>
+                <a:spcPct val="115625"/>
+              </a:lnSpc>
+              <a:spcBef>
+                <a:spcPts val="0"/>
+              </a:spcBef>
+              <a:spcAft>
+                <a:spcPts val="0"/>
+              </a:spcAft>
+              <a:buClr>
+                <a:srgbClr val="1E1E1E"/>
+              </a:buClr>
+              <a:buSzPts val="2400"/>
+              <a:buFont typeface="Urbanist Medium"/>
+              <a:buNone/>
+            </a:pPr>
+            <a:endParaRPr lang="en-US" sz="2300" b="0" i="0" u="none" strike="noStrike" cap="none" dirty="0">
+              <a:solidFill>
+                <a:srgbClr val="1E1E1E"/>
+              </a:solidFill>
+              <a:latin typeface="Urbanist Medium"/>
+              <a:ea typeface="Urbanist Medium"/>
+              <a:cs typeface="Urbanist Medium"/>
+              <a:sym typeface="Urbanist Medium"/>
+            </a:endParaRPr>
+          </a:p>
+          <a:p>
+            <a:pPr marL="0" marR="0" lvl="0" indent="0" algn="l" rtl="0">
+              <a:lnSpc>
+                <a:spcPct val="115625"/>
+              </a:lnSpc>
+              <a:spcBef>
+                <a:spcPts val="0"/>
+              </a:spcBef>
+              <a:spcAft>
+                <a:spcPts val="0"/>
+              </a:spcAft>
+              <a:buClr>
+                <a:srgbClr val="1E1E1E"/>
+              </a:buClr>
+              <a:buSzPts val="2400"/>
+              <a:buFont typeface="Urbanist Medium"/>
+              <a:buNone/>
+            </a:pPr>
+            <a:r>
+              <a:rPr lang="en-US" sz="2300" dirty="0" err="1">
+                <a:solidFill>
+                  <a:srgbClr val="1E1E1E"/>
+                </a:solidFill>
+                <a:latin typeface="Urbanist Medium"/>
+                <a:ea typeface="Urbanist Medium"/>
+                <a:cs typeface="Urbanist Medium"/>
+                <a:sym typeface="Urbanist Medium"/>
+              </a:rPr>
+              <a:t>Im</a:t>
+            </a:r>
+            <a:r>
+              <a:rPr lang="en-US" sz="2300" dirty="0">
+                <a:solidFill>
+                  <a:srgbClr val="1E1E1E"/>
+                </a:solidFill>
+                <a:latin typeface="Urbanist Medium"/>
+                <a:ea typeface="Urbanist Medium"/>
+                <a:cs typeface="Urbanist Medium"/>
+                <a:sym typeface="Urbanist Medium"/>
+              </a:rPr>
+              <a:t> Korea-Krieg </a:t>
+            </a:r>
+            <a:r>
+              <a:rPr lang="en-US" sz="2300" dirty="0" err="1">
+                <a:solidFill>
+                  <a:srgbClr val="1E1E1E"/>
+                </a:solidFill>
+                <a:latin typeface="Urbanist Medium"/>
+                <a:ea typeface="Urbanist Medium"/>
+                <a:cs typeface="Urbanist Medium"/>
+                <a:sym typeface="Urbanist Medium"/>
+              </a:rPr>
+              <a:t>wurden</a:t>
+            </a:r>
+            <a:r>
+              <a:rPr lang="en-US" sz="2300" dirty="0">
+                <a:solidFill>
+                  <a:srgbClr val="1E1E1E"/>
+                </a:solidFill>
+                <a:latin typeface="Urbanist Medium"/>
+                <a:ea typeface="Urbanist Medium"/>
+                <a:cs typeface="Urbanist Medium"/>
+                <a:sym typeface="Urbanist Medium"/>
+              </a:rPr>
+              <a:t> ab 1951 Menschen und Panzer </a:t>
+            </a:r>
+            <a:r>
+              <a:rPr lang="en-US" sz="2300" dirty="0" err="1">
+                <a:solidFill>
+                  <a:srgbClr val="1E1E1E"/>
+                </a:solidFill>
+                <a:latin typeface="Urbanist Medium"/>
+                <a:ea typeface="Urbanist Medium"/>
+                <a:cs typeface="Urbanist Medium"/>
+                <a:sym typeface="Urbanist Medium"/>
+              </a:rPr>
+              <a:t>mit</a:t>
+            </a:r>
+            <a:r>
+              <a:rPr lang="en-US" sz="2300" dirty="0">
+                <a:solidFill>
+                  <a:srgbClr val="1E1E1E"/>
+                </a:solidFill>
+                <a:latin typeface="Urbanist Medium"/>
+                <a:ea typeface="Urbanist Medium"/>
+                <a:cs typeface="Urbanist Medium"/>
+                <a:sym typeface="Urbanist Medium"/>
+              </a:rPr>
+              <a:t> NIR </a:t>
+            </a:r>
+            <a:r>
+              <a:rPr lang="en-US" sz="2300" dirty="0" err="1">
+                <a:solidFill>
+                  <a:srgbClr val="1E1E1E"/>
+                </a:solidFill>
+                <a:latin typeface="Urbanist Medium"/>
+                <a:ea typeface="Urbanist Medium"/>
+                <a:cs typeface="Urbanist Medium"/>
+                <a:sym typeface="Urbanist Medium"/>
+              </a:rPr>
+              <a:t>detektiert</a:t>
+            </a:r>
+            <a:r>
+              <a:rPr lang="en-US" sz="2300" dirty="0">
+                <a:solidFill>
+                  <a:srgbClr val="1E1E1E"/>
+                </a:solidFill>
+                <a:latin typeface="Urbanist Medium"/>
+                <a:ea typeface="Urbanist Medium"/>
+                <a:cs typeface="Urbanist Medium"/>
+                <a:sym typeface="Urbanist Medium"/>
+              </a:rPr>
+              <a:t>, da </a:t>
+            </a:r>
+            <a:r>
+              <a:rPr lang="en-US" sz="2300" dirty="0" err="1">
+                <a:solidFill>
+                  <a:srgbClr val="1E1E1E"/>
+                </a:solidFill>
+                <a:latin typeface="Urbanist Medium"/>
+                <a:ea typeface="Urbanist Medium"/>
+                <a:cs typeface="Urbanist Medium"/>
+                <a:sym typeface="Urbanist Medium"/>
+              </a:rPr>
+              <a:t>diese</a:t>
+            </a:r>
+            <a:r>
+              <a:rPr lang="en-US" sz="2300" dirty="0">
+                <a:solidFill>
+                  <a:srgbClr val="1E1E1E"/>
+                </a:solidFill>
+                <a:latin typeface="Urbanist Medium"/>
+                <a:ea typeface="Urbanist Medium"/>
+                <a:cs typeface="Urbanist Medium"/>
+                <a:sym typeface="Urbanist Medium"/>
+              </a:rPr>
+              <a:t> </a:t>
+            </a:r>
+            <a:r>
+              <a:rPr lang="en-US" sz="2300" dirty="0" err="1">
+                <a:solidFill>
+                  <a:srgbClr val="1E1E1E"/>
+                </a:solidFill>
+                <a:latin typeface="Urbanist Medium"/>
+                <a:ea typeface="Urbanist Medium"/>
+                <a:cs typeface="Urbanist Medium"/>
+                <a:sym typeface="Urbanist Medium"/>
+              </a:rPr>
+              <a:t>Aufnahmen</a:t>
+            </a:r>
+            <a:r>
+              <a:rPr lang="en-US" sz="2300" dirty="0">
+                <a:solidFill>
+                  <a:srgbClr val="1E1E1E"/>
+                </a:solidFill>
+                <a:latin typeface="Urbanist Medium"/>
+                <a:ea typeface="Urbanist Medium"/>
+                <a:cs typeface="Urbanist Medium"/>
+                <a:sym typeface="Urbanist Medium"/>
+              </a:rPr>
+              <a:t> </a:t>
+            </a:r>
+            <a:r>
+              <a:rPr lang="en-US" sz="2300" dirty="0" err="1">
+                <a:solidFill>
+                  <a:srgbClr val="1E1E1E"/>
+                </a:solidFill>
+                <a:latin typeface="Urbanist Medium"/>
+                <a:ea typeface="Urbanist Medium"/>
+                <a:cs typeface="Urbanist Medium"/>
+                <a:sym typeface="Urbanist Medium"/>
+              </a:rPr>
+              <a:t>durch</a:t>
+            </a:r>
+            <a:r>
+              <a:rPr lang="en-US" sz="2300" dirty="0">
+                <a:solidFill>
+                  <a:srgbClr val="1E1E1E"/>
+                </a:solidFill>
+                <a:latin typeface="Urbanist Medium"/>
+                <a:ea typeface="Urbanist Medium"/>
+                <a:cs typeface="Urbanist Medium"/>
+                <a:sym typeface="Urbanist Medium"/>
+              </a:rPr>
+              <a:t> Dunst und </a:t>
+            </a:r>
+            <a:r>
+              <a:rPr lang="en-US" sz="2300" dirty="0" err="1">
+                <a:solidFill>
+                  <a:srgbClr val="1E1E1E"/>
+                </a:solidFill>
+                <a:latin typeface="Urbanist Medium"/>
+                <a:ea typeface="Urbanist Medium"/>
+                <a:cs typeface="Urbanist Medium"/>
+                <a:sym typeface="Urbanist Medium"/>
+              </a:rPr>
+              <a:t>Nebel</a:t>
+            </a:r>
+            <a:r>
+              <a:rPr lang="en-US" sz="2300" dirty="0">
+                <a:solidFill>
+                  <a:srgbClr val="1E1E1E"/>
+                </a:solidFill>
+                <a:latin typeface="Urbanist Medium"/>
+                <a:ea typeface="Urbanist Medium"/>
+                <a:cs typeface="Urbanist Medium"/>
+                <a:sym typeface="Urbanist Medium"/>
+              </a:rPr>
+              <a:t> </a:t>
+            </a:r>
+            <a:r>
+              <a:rPr lang="en-US" sz="2300" dirty="0" err="1">
+                <a:solidFill>
+                  <a:srgbClr val="1E1E1E"/>
+                </a:solidFill>
+                <a:latin typeface="Urbanist Medium"/>
+                <a:ea typeface="Urbanist Medium"/>
+                <a:cs typeface="Urbanist Medium"/>
+                <a:sym typeface="Urbanist Medium"/>
+              </a:rPr>
+              <a:t>eine</a:t>
+            </a:r>
+            <a:r>
+              <a:rPr lang="en-US" sz="2300" dirty="0">
+                <a:solidFill>
+                  <a:srgbClr val="1E1E1E"/>
+                </a:solidFill>
+                <a:latin typeface="Urbanist Medium"/>
+                <a:ea typeface="Urbanist Medium"/>
+                <a:cs typeface="Urbanist Medium"/>
+                <a:sym typeface="Urbanist Medium"/>
+              </a:rPr>
+              <a:t> </a:t>
+            </a:r>
+            <a:r>
+              <a:rPr lang="en-US" sz="2300" dirty="0" err="1">
+                <a:solidFill>
+                  <a:srgbClr val="1E1E1E"/>
+                </a:solidFill>
+                <a:latin typeface="Urbanist Medium"/>
+                <a:ea typeface="Urbanist Medium"/>
+                <a:cs typeface="Urbanist Medium"/>
+                <a:sym typeface="Urbanist Medium"/>
+              </a:rPr>
+              <a:t>klarere</a:t>
+            </a:r>
+            <a:r>
+              <a:rPr lang="en-US" sz="2300" dirty="0">
+                <a:solidFill>
+                  <a:srgbClr val="1E1E1E"/>
+                </a:solidFill>
+                <a:latin typeface="Urbanist Medium"/>
+                <a:ea typeface="Urbanist Medium"/>
+                <a:cs typeface="Urbanist Medium"/>
+                <a:sym typeface="Urbanist Medium"/>
+              </a:rPr>
+              <a:t> Sicht auf den </a:t>
+            </a:r>
+            <a:r>
+              <a:rPr lang="en-US" sz="2300" dirty="0" err="1">
+                <a:solidFill>
+                  <a:srgbClr val="1E1E1E"/>
+                </a:solidFill>
+                <a:latin typeface="Urbanist Medium"/>
+                <a:ea typeface="Urbanist Medium"/>
+                <a:cs typeface="Urbanist Medium"/>
+                <a:sym typeface="Urbanist Medium"/>
+              </a:rPr>
+              <a:t>Bildern</a:t>
+            </a:r>
+            <a:r>
+              <a:rPr lang="en-US" sz="2300" dirty="0">
+                <a:solidFill>
+                  <a:srgbClr val="1E1E1E"/>
+                </a:solidFill>
+                <a:latin typeface="Urbanist Medium"/>
+                <a:ea typeface="Urbanist Medium"/>
+                <a:cs typeface="Urbanist Medium"/>
+                <a:sym typeface="Urbanist Medium"/>
+              </a:rPr>
+              <a:t> </a:t>
+            </a:r>
+            <a:r>
+              <a:rPr lang="en-US" sz="2300" dirty="0" err="1">
+                <a:solidFill>
+                  <a:srgbClr val="1E1E1E"/>
+                </a:solidFill>
+                <a:latin typeface="Urbanist Medium"/>
+                <a:ea typeface="Urbanist Medium"/>
+                <a:cs typeface="Urbanist Medium"/>
+                <a:sym typeface="Urbanist Medium"/>
+              </a:rPr>
+              <a:t>hergab</a:t>
+            </a:r>
+            <a:r>
+              <a:rPr lang="en-US" sz="2300" dirty="0">
+                <a:solidFill>
+                  <a:srgbClr val="1E1E1E"/>
+                </a:solidFill>
+                <a:latin typeface="Urbanist Medium"/>
+                <a:ea typeface="Urbanist Medium"/>
+                <a:cs typeface="Urbanist Medium"/>
+                <a:sym typeface="Urbanist Medium"/>
+              </a:rPr>
+              <a:t>.</a:t>
+            </a:r>
+          </a:p>
+          <a:p>
+            <a:pPr marL="0" marR="0" lvl="0" indent="0" algn="l" rtl="0">
+              <a:lnSpc>
+                <a:spcPct val="115625"/>
+              </a:lnSpc>
+              <a:spcBef>
+                <a:spcPts val="0"/>
+              </a:spcBef>
+              <a:spcAft>
+                <a:spcPts val="0"/>
+              </a:spcAft>
+              <a:buClr>
+                <a:srgbClr val="1E1E1E"/>
+              </a:buClr>
+              <a:buSzPts val="2400"/>
+              <a:buFont typeface="Urbanist Medium"/>
+              <a:buNone/>
+            </a:pPr>
+            <a:endParaRPr lang="en-US" sz="2300" dirty="0">
+              <a:solidFill>
+                <a:srgbClr val="1E1E1E"/>
+              </a:solidFill>
+              <a:latin typeface="Urbanist Medium"/>
+              <a:ea typeface="Urbanist Medium"/>
+              <a:cs typeface="Urbanist Medium"/>
+              <a:sym typeface="Urbanist Medium"/>
+            </a:endParaRPr>
+          </a:p>
+          <a:p>
+            <a:pPr marL="0" marR="0" lvl="0" indent="0" algn="l" rtl="0">
+              <a:lnSpc>
+                <a:spcPct val="115625"/>
+              </a:lnSpc>
+              <a:spcBef>
+                <a:spcPts val="0"/>
+              </a:spcBef>
+              <a:spcAft>
+                <a:spcPts val="0"/>
+              </a:spcAft>
+              <a:buClr>
+                <a:srgbClr val="1E1E1E"/>
+              </a:buClr>
+              <a:buSzPts val="2400"/>
+              <a:buFont typeface="Urbanist Medium"/>
+              <a:buNone/>
+            </a:pPr>
+            <a:r>
+              <a:rPr lang="en-US" sz="2300" dirty="0">
+                <a:solidFill>
+                  <a:srgbClr val="1E1E1E"/>
+                </a:solidFill>
+                <a:latin typeface="Urbanist Medium"/>
+                <a:ea typeface="Urbanist Medium"/>
+                <a:cs typeface="Urbanist Medium"/>
+                <a:sym typeface="Urbanist Medium"/>
+              </a:rPr>
+              <a:t>Ab Mitte der 1950er Jahren </a:t>
+            </a:r>
+            <a:r>
+              <a:rPr lang="en-US" sz="2300" dirty="0" err="1">
+                <a:solidFill>
+                  <a:srgbClr val="1E1E1E"/>
+                </a:solidFill>
+                <a:latin typeface="Urbanist Medium"/>
+                <a:ea typeface="Urbanist Medium"/>
+                <a:cs typeface="Urbanist Medium"/>
+                <a:sym typeface="Urbanist Medium"/>
+              </a:rPr>
+              <a:t>wurde</a:t>
+            </a:r>
+            <a:r>
+              <a:rPr lang="en-US" sz="2300" dirty="0">
+                <a:solidFill>
+                  <a:srgbClr val="1E1E1E"/>
+                </a:solidFill>
+                <a:latin typeface="Urbanist Medium"/>
+                <a:ea typeface="Urbanist Medium"/>
+                <a:cs typeface="Urbanist Medium"/>
+                <a:sym typeface="Urbanist Medium"/>
+              </a:rPr>
+              <a:t> NIR </a:t>
+            </a:r>
+            <a:r>
+              <a:rPr lang="en-US" sz="2300" dirty="0" err="1">
+                <a:solidFill>
+                  <a:srgbClr val="1E1E1E"/>
+                </a:solidFill>
+                <a:latin typeface="Urbanist Medium"/>
+                <a:ea typeface="Urbanist Medium"/>
+                <a:cs typeface="Urbanist Medium"/>
+                <a:sym typeface="Urbanist Medium"/>
+              </a:rPr>
+              <a:t>zur</a:t>
+            </a:r>
+            <a:r>
+              <a:rPr lang="en-US" sz="2300" dirty="0">
+                <a:solidFill>
+                  <a:srgbClr val="1E1E1E"/>
+                </a:solidFill>
+                <a:latin typeface="Urbanist Medium"/>
+                <a:ea typeface="Urbanist Medium"/>
+                <a:cs typeface="Urbanist Medium"/>
+                <a:sym typeface="Urbanist Medium"/>
+              </a:rPr>
+              <a:t> Plant Disease Detection </a:t>
+            </a:r>
+            <a:r>
+              <a:rPr lang="en-US" sz="2300" dirty="0" err="1">
+                <a:solidFill>
+                  <a:srgbClr val="1E1E1E"/>
+                </a:solidFill>
+                <a:latin typeface="Urbanist Medium"/>
+                <a:ea typeface="Urbanist Medium"/>
+                <a:cs typeface="Urbanist Medium"/>
+                <a:sym typeface="Urbanist Medium"/>
+              </a:rPr>
+              <a:t>eingesetzt</a:t>
+            </a:r>
+            <a:r>
+              <a:rPr lang="en-US" sz="2300" dirty="0">
+                <a:solidFill>
+                  <a:srgbClr val="1E1E1E"/>
+                </a:solidFill>
+                <a:latin typeface="Urbanist Medium"/>
+                <a:ea typeface="Urbanist Medium"/>
+                <a:cs typeface="Urbanist Medium"/>
+                <a:sym typeface="Urbanist Medium"/>
+              </a:rPr>
+              <a:t>, um </a:t>
+            </a:r>
+            <a:r>
+              <a:rPr lang="en-US" sz="2300" dirty="0" err="1">
+                <a:solidFill>
+                  <a:srgbClr val="1E1E1E"/>
+                </a:solidFill>
+                <a:latin typeface="Urbanist Medium"/>
+                <a:ea typeface="Urbanist Medium"/>
+                <a:cs typeface="Urbanist Medium"/>
+                <a:sym typeface="Urbanist Medium"/>
+              </a:rPr>
+              <a:t>aus</a:t>
+            </a:r>
+            <a:r>
+              <a:rPr lang="en-US" sz="2300" dirty="0">
+                <a:solidFill>
+                  <a:srgbClr val="1E1E1E"/>
+                </a:solidFill>
+                <a:latin typeface="Urbanist Medium"/>
+                <a:ea typeface="Urbanist Medium"/>
+                <a:cs typeface="Urbanist Medium"/>
+                <a:sym typeface="Urbanist Medium"/>
+              </a:rPr>
+              <a:t> der Luft in </a:t>
+            </a:r>
+            <a:r>
+              <a:rPr lang="en-US" sz="2300" dirty="0" err="1">
+                <a:solidFill>
+                  <a:srgbClr val="1E1E1E"/>
+                </a:solidFill>
+                <a:latin typeface="Urbanist Medium"/>
+                <a:ea typeface="Urbanist Medium"/>
+                <a:cs typeface="Urbanist Medium"/>
+                <a:sym typeface="Urbanist Medium"/>
+              </a:rPr>
+              <a:t>großen</a:t>
+            </a:r>
+            <a:r>
+              <a:rPr lang="en-US" sz="2300" dirty="0">
+                <a:solidFill>
+                  <a:srgbClr val="1E1E1E"/>
+                </a:solidFill>
+                <a:latin typeface="Urbanist Medium"/>
+                <a:ea typeface="Urbanist Medium"/>
+                <a:cs typeface="Urbanist Medium"/>
+                <a:sym typeface="Urbanist Medium"/>
+              </a:rPr>
+              <a:t> </a:t>
+            </a:r>
+            <a:r>
+              <a:rPr lang="en-US" sz="2300" dirty="0" err="1">
+                <a:solidFill>
+                  <a:srgbClr val="1E1E1E"/>
+                </a:solidFill>
+                <a:latin typeface="Urbanist Medium"/>
+                <a:ea typeface="Urbanist Medium"/>
+                <a:cs typeface="Urbanist Medium"/>
+                <a:sym typeface="Urbanist Medium"/>
+              </a:rPr>
+              <a:t>Waldgebieten</a:t>
+            </a:r>
+            <a:r>
+              <a:rPr lang="en-US" sz="2300" dirty="0">
+                <a:solidFill>
+                  <a:srgbClr val="1E1E1E"/>
+                </a:solidFill>
+                <a:latin typeface="Urbanist Medium"/>
+                <a:ea typeface="Urbanist Medium"/>
+                <a:cs typeface="Urbanist Medium"/>
+                <a:sym typeface="Urbanist Medium"/>
+              </a:rPr>
+              <a:t> tote </a:t>
+            </a:r>
+            <a:r>
+              <a:rPr lang="en-US" sz="2300" dirty="0" err="1">
+                <a:solidFill>
+                  <a:srgbClr val="1E1E1E"/>
+                </a:solidFill>
+                <a:latin typeface="Urbanist Medium"/>
+                <a:ea typeface="Urbanist Medium"/>
+                <a:cs typeface="Urbanist Medium"/>
+                <a:sym typeface="Urbanist Medium"/>
+              </a:rPr>
+              <a:t>Bäume</a:t>
+            </a:r>
+            <a:r>
+              <a:rPr lang="en-US" sz="2300" dirty="0">
+                <a:solidFill>
+                  <a:srgbClr val="1E1E1E"/>
+                </a:solidFill>
+                <a:latin typeface="Urbanist Medium"/>
+                <a:ea typeface="Urbanist Medium"/>
+                <a:cs typeface="Urbanist Medium"/>
+                <a:sym typeface="Urbanist Medium"/>
+              </a:rPr>
+              <a:t> schnell </a:t>
+            </a:r>
+            <a:r>
+              <a:rPr lang="en-US" sz="2300" dirty="0" err="1">
+                <a:solidFill>
+                  <a:srgbClr val="1E1E1E"/>
+                </a:solidFill>
+                <a:latin typeface="Urbanist Medium"/>
+                <a:ea typeface="Urbanist Medium"/>
+                <a:cs typeface="Urbanist Medium"/>
+                <a:sym typeface="Urbanist Medium"/>
+              </a:rPr>
+              <a:t>zu</a:t>
+            </a:r>
+            <a:r>
+              <a:rPr lang="en-US" sz="2300" dirty="0">
+                <a:solidFill>
+                  <a:srgbClr val="1E1E1E"/>
+                </a:solidFill>
+                <a:latin typeface="Urbanist Medium"/>
+                <a:ea typeface="Urbanist Medium"/>
+                <a:cs typeface="Urbanist Medium"/>
+                <a:sym typeface="Urbanist Medium"/>
+              </a:rPr>
+              <a:t> </a:t>
+            </a:r>
+            <a:r>
+              <a:rPr lang="en-US" sz="2300" dirty="0" err="1">
+                <a:solidFill>
+                  <a:srgbClr val="1E1E1E"/>
+                </a:solidFill>
+                <a:latin typeface="Urbanist Medium"/>
+                <a:ea typeface="Urbanist Medium"/>
+                <a:cs typeface="Urbanist Medium"/>
+                <a:sym typeface="Urbanist Medium"/>
+              </a:rPr>
+              <a:t>erkennen</a:t>
+            </a:r>
+            <a:r>
+              <a:rPr lang="en-US" sz="2300" dirty="0">
+                <a:solidFill>
+                  <a:srgbClr val="1E1E1E"/>
+                </a:solidFill>
+                <a:latin typeface="Urbanist Medium"/>
+                <a:ea typeface="Urbanist Medium"/>
+                <a:cs typeface="Urbanist Medium"/>
+                <a:sym typeface="Urbanist Medium"/>
+              </a:rPr>
+              <a:t>.</a:t>
+            </a:r>
+          </a:p>
+          <a:p>
+            <a:pPr marL="0" marR="0" lvl="0" indent="0" algn="l" rtl="0">
+              <a:lnSpc>
+                <a:spcPct val="115625"/>
+              </a:lnSpc>
+              <a:spcBef>
+                <a:spcPts val="0"/>
+              </a:spcBef>
+              <a:spcAft>
+                <a:spcPts val="0"/>
+              </a:spcAft>
+              <a:buClr>
+                <a:srgbClr val="1E1E1E"/>
+              </a:buClr>
+              <a:buSzPts val="2400"/>
+              <a:buFont typeface="Urbanist Medium"/>
+              <a:buNone/>
+            </a:pPr>
+            <a:endParaRPr lang="en-US" sz="2300" b="0" i="0" u="none" strike="noStrike" cap="none" dirty="0">
+              <a:solidFill>
+                <a:srgbClr val="1E1E1E"/>
+              </a:solidFill>
+              <a:latin typeface="Urbanist Medium"/>
+              <a:ea typeface="Urbanist Medium"/>
+              <a:cs typeface="Urbanist Medium"/>
+              <a:sym typeface="Urbanist Medium"/>
+            </a:endParaRPr>
+          </a:p>
+          <a:p>
+            <a:pPr marL="0" marR="0" lvl="0" indent="0" algn="l" rtl="0">
+              <a:lnSpc>
+                <a:spcPct val="115625"/>
+              </a:lnSpc>
+              <a:spcBef>
+                <a:spcPts val="0"/>
+              </a:spcBef>
+              <a:spcAft>
+                <a:spcPts val="0"/>
+              </a:spcAft>
+              <a:buClr>
+                <a:srgbClr val="1E1E1E"/>
+              </a:buClr>
+              <a:buSzPts val="2400"/>
+              <a:buFont typeface="Urbanist Medium"/>
+              <a:buNone/>
+            </a:pPr>
+            <a:endParaRPr lang="en-US" sz="2300" b="0" i="0" u="none" strike="noStrike" cap="none" dirty="0">
+              <a:solidFill>
+                <a:srgbClr val="1E1E1E"/>
+              </a:solidFill>
+              <a:latin typeface="Urbanist Medium"/>
+              <a:ea typeface="Urbanist Medium"/>
+              <a:cs typeface="Urbanist Medium"/>
+              <a:sym typeface="Urbanist Medium"/>
+            </a:endParaRPr>
+          </a:p>
+        </p:txBody>
+      </p:sp>
+      <p:sp>
+        <p:nvSpPr>
+          <p:cNvPr id="72" name="Google Shape;72;p5"/>
+          <p:cNvSpPr/>
+          <p:nvPr/>
+        </p:nvSpPr>
+        <p:spPr>
+          <a:xfrm>
+            <a:off x="1400175" y="1276350"/>
+            <a:ext cx="5743575" cy="800100"/>
+          </a:xfrm>
+          <a:prstGeom prst="rect">
+            <a:avLst/>
+          </a:prstGeom>
+          <a:noFill/>
+          <a:ln>
+            <a:noFill/>
+          </a:ln>
+        </p:spPr>
+        <p:txBody>
+          <a:bodyPr spcFirstLastPara="1" wrap="square" lIns="0" tIns="0" rIns="0" bIns="0" anchor="t" anchorCtr="0">
+            <a:noAutofit/>
+          </a:bodyPr>
+          <a:lstStyle/>
+          <a:p>
+            <a:pPr marL="0" marR="0" lvl="0" indent="0" rtl="0">
+              <a:lnSpc>
+                <a:spcPct val="116666"/>
+              </a:lnSpc>
+              <a:spcBef>
+                <a:spcPts val="0"/>
+              </a:spcBef>
+              <a:spcAft>
+                <a:spcPts val="0"/>
+              </a:spcAft>
+              <a:buClr>
+                <a:srgbClr val="FFFFFF"/>
+              </a:buClr>
+              <a:buSzPts val="5400"/>
+              <a:buFont typeface="Roboto"/>
+              <a:buNone/>
+            </a:pPr>
+            <a:r>
+              <a:rPr lang="en-US" sz="5400" b="1" i="0" u="none" strike="noStrike" cap="none" dirty="0" err="1">
+                <a:solidFill>
+                  <a:srgbClr val="FFFFFF"/>
+                </a:solidFill>
+                <a:latin typeface="Roboto"/>
+                <a:ea typeface="Roboto"/>
+                <a:cs typeface="Roboto"/>
+                <a:sym typeface="Roboto"/>
+              </a:rPr>
+              <a:t>Meilensteine</a:t>
+            </a:r>
+            <a:endParaRPr sz="5400" b="1" i="0" u="none" strike="noStrike" cap="none" dirty="0">
+              <a:solidFill>
+                <a:schemeClr val="dk1"/>
+              </a:solidFill>
+              <a:latin typeface="Roboto"/>
+              <a:ea typeface="Roboto"/>
+              <a:cs typeface="Roboto"/>
+              <a:sym typeface="Roboto"/>
+            </a:endParaRPr>
+          </a:p>
+        </p:txBody>
+      </p:sp>
+      <p:pic>
+        <p:nvPicPr>
+          <p:cNvPr id="3" name="Grafik 2" descr="Ein Bild, das draußen, Baum, Screenshot, Text enthält.&#10;&#10;Automatisch generierte Beschreibung">
+            <a:extLst>
+              <a:ext uri="{FF2B5EF4-FFF2-40B4-BE49-F238E27FC236}">
+                <a16:creationId xmlns:a16="http://schemas.microsoft.com/office/drawing/2014/main" id="{A9AFE28F-2EBB-E6DF-E227-D7255C748FFC}"/>
+              </a:ext>
+            </a:extLst>
+          </p:cNvPr>
+          <p:cNvPicPr>
+            <a:picLocks noChangeAspect="1"/>
+          </p:cNvPicPr>
+          <p:nvPr/>
+        </p:nvPicPr>
+        <p:blipFill>
+          <a:blip r:embed="rId5"/>
+          <a:stretch>
+            <a:fillRect/>
+          </a:stretch>
+        </p:blipFill>
+        <p:spPr>
+          <a:xfrm>
+            <a:off x="10572750" y="3633787"/>
+            <a:ext cx="6370320" cy="3642360"/>
+          </a:xfrm>
+          <a:prstGeom prst="rect">
+            <a:avLst/>
+          </a:prstGeom>
+        </p:spPr>
+      </p:pic>
+    </p:spTree>
+    <p:extLst>
+      <p:ext uri="{BB962C8B-B14F-4D97-AF65-F5344CB8AC3E}">
+        <p14:creationId xmlns:p14="http://schemas.microsoft.com/office/powerpoint/2010/main" val="1394423738"/>
+      </p:ext>
+    </p:extLst>
+  </p:cSld>
+  <p:clrMapOvr>
+    <a:masterClrMapping/>
+  </p:clrMapOvr>
+</p:sld>
+</file>
+
+<file path=ppt/slides/slide11.xml><?xml version="1.0" encoding="utf-8"?>
+<p:sld xmlns:a="http://schemas.openxmlformats.org/drawingml/2006/main" xmlns:r="http://schemas.openxmlformats.org/officeDocument/2006/relationships" xmlns:p="http://schemas.openxmlformats.org/presentationml/2006/main">
+  <p:cSld>
+    <p:bg>
+      <p:bgPr>
+        <a:solidFill>
+          <a:srgbClr val="FFFFFF"/>
+        </a:solidFill>
+        <a:effectLst/>
+      </p:bgPr>
+    </p:bg>
+    <p:spTree>
+      <p:nvGrpSpPr>
+        <p:cNvPr id="1" name="Shape 62"/>
+        <p:cNvGrpSpPr/>
+        <p:nvPr/>
+      </p:nvGrpSpPr>
+      <p:grpSpPr>
+        <a:xfrm>
+          <a:off x="0" y="0"/>
+          <a:ext cx="0" cy="0"/>
+          <a:chOff x="0" y="0"/>
+          <a:chExt cx="0" cy="0"/>
+        </a:xfrm>
+      </p:grpSpPr>
+      <p:pic>
+        <p:nvPicPr>
+          <p:cNvPr id="65" name="Google Shape;65;p5" descr="preencoded.png"/>
+          <p:cNvPicPr preferRelativeResize="0"/>
+          <p:nvPr/>
+        </p:nvPicPr>
+        <p:blipFill rotWithShape="1">
+          <a:blip r:embed="rId3">
+            <a:alphaModFix/>
+          </a:blip>
+          <a:srcRect/>
+          <a:stretch/>
+        </p:blipFill>
+        <p:spPr>
+          <a:xfrm>
+            <a:off x="0" y="952500"/>
+            <a:ext cx="7705725" cy="1428750"/>
+          </a:xfrm>
+          <a:prstGeom prst="rect">
+            <a:avLst/>
+          </a:prstGeom>
+          <a:noFill/>
+          <a:ln>
+            <a:noFill/>
+          </a:ln>
+        </p:spPr>
+      </p:pic>
+      <p:pic>
+        <p:nvPicPr>
+          <p:cNvPr id="67" name="Google Shape;67;p5" descr="preencoded.png"/>
+          <p:cNvPicPr preferRelativeResize="0"/>
+          <p:nvPr/>
+        </p:nvPicPr>
+        <p:blipFill rotWithShape="1">
+          <a:blip r:embed="rId4">
+            <a:alphaModFix/>
+          </a:blip>
+          <a:srcRect/>
+          <a:stretch/>
+        </p:blipFill>
+        <p:spPr>
+          <a:xfrm>
+            <a:off x="15430500" y="8469443"/>
+            <a:ext cx="2857500" cy="865056"/>
+          </a:xfrm>
+          <a:prstGeom prst="rect">
+            <a:avLst/>
+          </a:prstGeom>
+          <a:noFill/>
+          <a:ln>
+            <a:noFill/>
+          </a:ln>
+        </p:spPr>
+      </p:pic>
+      <p:sp>
+        <p:nvSpPr>
+          <p:cNvPr id="69" name="Google Shape;69;p5"/>
+          <p:cNvSpPr/>
+          <p:nvPr/>
+        </p:nvSpPr>
+        <p:spPr>
+          <a:xfrm>
+            <a:off x="15668625" y="8587646"/>
+            <a:ext cx="2381250" cy="628650"/>
+          </a:xfrm>
+          <a:prstGeom prst="rect">
+            <a:avLst/>
+          </a:prstGeom>
+          <a:noFill/>
+          <a:ln>
+            <a:noFill/>
+          </a:ln>
+        </p:spPr>
+        <p:txBody>
+          <a:bodyPr spcFirstLastPara="1" wrap="square" lIns="0" tIns="0" rIns="0" bIns="0" anchor="t" anchorCtr="0">
+            <a:noAutofit/>
+          </a:bodyPr>
+          <a:lstStyle/>
+          <a:p>
+            <a:pPr marL="0" marR="0" lvl="0" indent="0" rtl="0">
+              <a:lnSpc>
+                <a:spcPct val="117857"/>
+              </a:lnSpc>
+              <a:spcBef>
+                <a:spcPts val="0"/>
+              </a:spcBef>
+              <a:spcAft>
+                <a:spcPts val="0"/>
+              </a:spcAft>
+              <a:buClr>
+                <a:srgbClr val="FFFFFF"/>
+              </a:buClr>
+              <a:buSzPts val="2100"/>
+              <a:buFont typeface="Roboto Medium"/>
+              <a:buNone/>
+            </a:pPr>
+            <a:r>
+              <a:rPr lang="en-US" sz="1800" b="1" i="0" u="none" strike="noStrike" cap="none" dirty="0">
+                <a:solidFill>
+                  <a:srgbClr val="FFFFFF"/>
+                </a:solidFill>
+                <a:latin typeface="Roboto"/>
+                <a:ea typeface="Roboto"/>
+                <a:cs typeface="Roboto"/>
+                <a:sym typeface="Roboto"/>
+              </a:rPr>
               <a:t>Abb. 3: CIR</a:t>
             </a:r>
             <a:endParaRPr sz="1800" b="1" i="0" u="none" strike="noStrike" cap="none" dirty="0">
@@ -7938,7 +9221,7 @@
 </p:sld>
 </file>
 
-<file path=ppt/slides/slide11.xml><?xml version="1.0" encoding="utf-8"?>
+<file path=ppt/slides/slide12.xml><?xml version="1.0" encoding="utf-8"?>
 <p:sld xmlns:a="http://schemas.openxmlformats.org/drawingml/2006/main" xmlns:r="http://schemas.openxmlformats.org/officeDocument/2006/relationships" xmlns:p="http://schemas.openxmlformats.org/presentationml/2006/main">
   <p:cSld>
     <p:bg>
@@ -8569,7 +9852,7 @@
 </p:sld>
 </file>
 
-<file path=ppt/slides/slide12.xml><?xml version="1.0" encoding="utf-8"?>
+<file path=ppt/slides/slide13.xml><?xml version="1.0" encoding="utf-8"?>
 <p:sld xmlns:a="http://schemas.openxmlformats.org/drawingml/2006/main" xmlns:r="http://schemas.openxmlformats.org/officeDocument/2006/relationships" xmlns:p="http://schemas.openxmlformats.org/presentationml/2006/main">
   <p:cSld>
     <p:bg>
@@ -9228,7 +10511,7 @@
 </p:sld>
 </file>
 
-<file path=ppt/slides/slide13.xml><?xml version="1.0" encoding="utf-8"?>
+<file path=ppt/slides/slide14.xml><?xml version="1.0" encoding="utf-8"?>
 <p:sld xmlns:a="http://schemas.openxmlformats.org/drawingml/2006/main" xmlns:r="http://schemas.openxmlformats.org/officeDocument/2006/relationships" xmlns:p="http://schemas.openxmlformats.org/presentationml/2006/main">
   <p:cSld>
     <p:bg>
@@ -9824,7 +11107,7 @@
 </p:sld>
 </file>
 
-<file path=ppt/slides/slide14.xml><?xml version="1.0" encoding="utf-8"?>
+<file path=ppt/slides/slide15.xml><?xml version="1.0" encoding="utf-8"?>
 <p:sld xmlns:a="http://schemas.openxmlformats.org/drawingml/2006/main" xmlns:r="http://schemas.openxmlformats.org/officeDocument/2006/relationships" xmlns:p="http://schemas.openxmlformats.org/presentationml/2006/main">
   <p:cSld>
     <p:bg>
@@ -10424,7 +11707,7 @@
 </p:sld>
 </file>
 
-<file path=ppt/slides/slide15.xml><?xml version="1.0" encoding="utf-8"?>
+<file path=ppt/slides/slide16.xml><?xml version="1.0" encoding="utf-8"?>
 <p:sld xmlns:a="http://schemas.openxmlformats.org/drawingml/2006/main" xmlns:r="http://schemas.openxmlformats.org/officeDocument/2006/relationships" xmlns:p="http://schemas.openxmlformats.org/presentationml/2006/main">
   <p:cSld>
     <p:bg>
@@ -10879,7 +12162,7 @@
 </p:sld>
 </file>
 
-<file path=ppt/slides/slide16.xml><?xml version="1.0" encoding="utf-8"?>
+<file path=ppt/slides/slide17.xml><?xml version="1.0" encoding="utf-8"?>
 <p:sld xmlns:a="http://schemas.openxmlformats.org/drawingml/2006/main" xmlns:r="http://schemas.openxmlformats.org/officeDocument/2006/relationships" xmlns:p="http://schemas.openxmlformats.org/presentationml/2006/main">
   <p:cSld>
     <p:bg>
@@ -11654,801 +12937,6 @@
               <a:cs typeface="Urbanist"/>
               <a:sym typeface="Urbanist"/>
             </a:endParaRPr>
-          </a:p>
-        </p:txBody>
-      </p:sp>
-    </p:spTree>
-  </p:cSld>
-  <p:clrMapOvr>
-    <a:masterClrMapping/>
-  </p:clrMapOvr>
-</p:sld>
-</file>
-
-<file path=ppt/slides/slide17.xml><?xml version="1.0" encoding="utf-8"?>
-<p:sld xmlns:a="http://schemas.openxmlformats.org/drawingml/2006/main" xmlns:r="http://schemas.openxmlformats.org/officeDocument/2006/relationships" xmlns:p="http://schemas.openxmlformats.org/presentationml/2006/main">
-  <p:cSld>
-    <p:bg>
-      <p:bgPr>
-        <a:solidFill>
-          <a:srgbClr val="FFFFFF"/>
-        </a:solidFill>
-        <a:effectLst/>
-      </p:bgPr>
-    </p:bg>
-    <p:spTree>
-      <p:nvGrpSpPr>
-        <p:cNvPr id="1" name="Shape 102"/>
-        <p:cNvGrpSpPr/>
-        <p:nvPr/>
-      </p:nvGrpSpPr>
-      <p:grpSpPr>
-        <a:xfrm>
-          <a:off x="0" y="0"/>
-          <a:ext cx="0" cy="0"/>
-          <a:chOff x="0" y="0"/>
-          <a:chExt cx="0" cy="0"/>
-        </a:xfrm>
-      </p:grpSpPr>
-      <p:pic>
-        <p:nvPicPr>
-          <p:cNvPr id="103" name="Google Shape;103;p8" descr="preencoded.png"/>
-          <p:cNvPicPr preferRelativeResize="0"/>
-          <p:nvPr/>
-        </p:nvPicPr>
-        <p:blipFill rotWithShape="1">
-          <a:blip r:embed="rId3">
-            <a:alphaModFix/>
-          </a:blip>
-          <a:srcRect/>
-          <a:stretch/>
-        </p:blipFill>
-        <p:spPr>
-          <a:xfrm>
-            <a:off x="0" y="0"/>
-            <a:ext cx="18288000" cy="9985056"/>
-          </a:xfrm>
-          <a:prstGeom prst="rect">
-            <a:avLst/>
-          </a:prstGeom>
-          <a:noFill/>
-          <a:ln>
-            <a:noFill/>
-          </a:ln>
-        </p:spPr>
-      </p:pic>
-      <p:pic>
-        <p:nvPicPr>
-          <p:cNvPr id="105" name="Google Shape;105;p8" descr="preencoded.png"/>
-          <p:cNvPicPr preferRelativeResize="0"/>
-          <p:nvPr/>
-        </p:nvPicPr>
-        <p:blipFill rotWithShape="1">
-          <a:blip r:embed="rId4">
-            <a:alphaModFix/>
-          </a:blip>
-          <a:srcRect/>
-          <a:stretch/>
-        </p:blipFill>
-        <p:spPr>
-          <a:xfrm>
-            <a:off x="16240125" y="9505950"/>
-            <a:ext cx="1095375" cy="614474"/>
-          </a:xfrm>
-          <a:prstGeom prst="rect">
-            <a:avLst/>
-          </a:prstGeom>
-          <a:noFill/>
-          <a:ln>
-            <a:noFill/>
-          </a:ln>
-        </p:spPr>
-      </p:pic>
-      <p:pic>
-        <p:nvPicPr>
-          <p:cNvPr id="106" name="Google Shape;106;p8" descr="preencoded.png"/>
-          <p:cNvPicPr preferRelativeResize="0"/>
-          <p:nvPr/>
-        </p:nvPicPr>
-        <p:blipFill rotWithShape="1">
-          <a:blip r:embed="rId5">
-            <a:alphaModFix/>
-          </a:blip>
-          <a:srcRect/>
-          <a:stretch/>
-        </p:blipFill>
-        <p:spPr>
-          <a:xfrm>
-            <a:off x="876300" y="9572625"/>
-            <a:ext cx="1095375" cy="534749"/>
-          </a:xfrm>
-          <a:prstGeom prst="rect">
-            <a:avLst/>
-          </a:prstGeom>
-          <a:noFill/>
-          <a:ln>
-            <a:noFill/>
-          </a:ln>
-        </p:spPr>
-      </p:pic>
-      <p:pic>
-        <p:nvPicPr>
-          <p:cNvPr id="107" name="Google Shape;107;p8" descr="preencoded.png"/>
-          <p:cNvPicPr preferRelativeResize="0"/>
-          <p:nvPr/>
-        </p:nvPicPr>
-        <p:blipFill rotWithShape="1">
-          <a:blip r:embed="rId6">
-            <a:alphaModFix/>
-          </a:blip>
-          <a:srcRect/>
-          <a:stretch/>
-        </p:blipFill>
-        <p:spPr>
-          <a:xfrm>
-            <a:off x="0" y="952500"/>
-            <a:ext cx="95250" cy="1428750"/>
-          </a:xfrm>
-          <a:prstGeom prst="rect">
-            <a:avLst/>
-          </a:prstGeom>
-          <a:noFill/>
-          <a:ln>
-            <a:noFill/>
-          </a:ln>
-        </p:spPr>
-      </p:pic>
-      <p:pic>
-        <p:nvPicPr>
-          <p:cNvPr id="108" name="Google Shape;108;p8" descr="preencoded.png"/>
-          <p:cNvPicPr preferRelativeResize="0"/>
-          <p:nvPr/>
-        </p:nvPicPr>
-        <p:blipFill rotWithShape="1">
-          <a:blip r:embed="rId7">
-            <a:alphaModFix/>
-          </a:blip>
-          <a:srcRect/>
-          <a:stretch/>
-        </p:blipFill>
-        <p:spPr>
-          <a:xfrm>
-            <a:off x="1428750" y="3201255"/>
-            <a:ext cx="115237" cy="2345106"/>
-          </a:xfrm>
-          <a:prstGeom prst="rect">
-            <a:avLst/>
-          </a:prstGeom>
-          <a:noFill/>
-          <a:ln>
-            <a:noFill/>
-          </a:ln>
-        </p:spPr>
-      </p:pic>
-      <p:pic>
-        <p:nvPicPr>
-          <p:cNvPr id="112" name="Google Shape;112;p8" descr="preencoded.png"/>
-          <p:cNvPicPr preferRelativeResize="0"/>
-          <p:nvPr/>
-        </p:nvPicPr>
-        <p:blipFill rotWithShape="1">
-          <a:blip r:embed="rId8">
-            <a:alphaModFix/>
-          </a:blip>
-          <a:srcRect/>
-          <a:stretch/>
-        </p:blipFill>
-        <p:spPr>
-          <a:xfrm>
-            <a:off x="15611475" y="7905750"/>
-            <a:ext cx="1905000" cy="676275"/>
-          </a:xfrm>
-          <a:prstGeom prst="rect">
-            <a:avLst/>
-          </a:prstGeom>
-          <a:noFill/>
-          <a:ln>
-            <a:noFill/>
-          </a:ln>
-        </p:spPr>
-      </p:pic>
-      <p:sp>
-        <p:nvSpPr>
-          <p:cNvPr id="113" name="Google Shape;113;p8"/>
-          <p:cNvSpPr/>
-          <p:nvPr/>
-        </p:nvSpPr>
-        <p:spPr>
-          <a:xfrm>
-            <a:off x="904875" y="9391650"/>
-            <a:ext cx="1457325" cy="95250"/>
-          </a:xfrm>
-          <a:prstGeom prst="rect">
-            <a:avLst/>
-          </a:prstGeom>
-          <a:noFill/>
-          <a:ln>
-            <a:noFill/>
-          </a:ln>
-        </p:spPr>
-        <p:txBody>
-          <a:bodyPr spcFirstLastPara="1" wrap="square" lIns="0" tIns="0" rIns="0" bIns="0" anchor="ctr" anchorCtr="0">
-            <a:noAutofit/>
-          </a:bodyPr>
-          <a:lstStyle/>
-          <a:p>
-            <a:pPr marL="0" marR="0" lvl="0" indent="0" algn="l" rtl="0">
-              <a:lnSpc>
-                <a:spcPct val="120000"/>
-              </a:lnSpc>
-              <a:spcBef>
-                <a:spcPts val="0"/>
-              </a:spcBef>
-              <a:spcAft>
-                <a:spcPts val="0"/>
-              </a:spcAft>
-              <a:buClr>
-                <a:srgbClr val="000000"/>
-              </a:buClr>
-              <a:buSzPts val="750"/>
-              <a:buFont typeface="Urbanist"/>
-              <a:buNone/>
-            </a:pPr>
-            <a:r>
-              <a:rPr lang="en-US" sz="750" b="1" i="0" u="none" strike="noStrike" cap="none">
-                <a:solidFill>
-                  <a:srgbClr val="000000"/>
-                </a:solidFill>
-                <a:latin typeface="Urbanist"/>
-                <a:ea typeface="Urbanist"/>
-                <a:cs typeface="Urbanist"/>
-                <a:sym typeface="Urbanist"/>
-              </a:rPr>
-              <a:t>partners logos</a:t>
-            </a:r>
-            <a:endParaRPr sz="750" b="0" i="0" u="none" strike="noStrike" cap="none">
-              <a:solidFill>
-                <a:schemeClr val="dk1"/>
-              </a:solidFill>
-              <a:latin typeface="Calibri"/>
-              <a:ea typeface="Calibri"/>
-              <a:cs typeface="Calibri"/>
-              <a:sym typeface="Calibri"/>
-            </a:endParaRPr>
-          </a:p>
-        </p:txBody>
-      </p:sp>
-      <p:sp>
-        <p:nvSpPr>
-          <p:cNvPr id="114" name="Google Shape;114;p8"/>
-          <p:cNvSpPr/>
-          <p:nvPr/>
-        </p:nvSpPr>
-        <p:spPr>
-          <a:xfrm>
-            <a:off x="16687800" y="9353550"/>
-            <a:ext cx="1600200" cy="104775"/>
-          </a:xfrm>
-          <a:prstGeom prst="rect">
-            <a:avLst/>
-          </a:prstGeom>
-          <a:noFill/>
-          <a:ln>
-            <a:noFill/>
-          </a:ln>
-        </p:spPr>
-        <p:txBody>
-          <a:bodyPr spcFirstLastPara="1" wrap="square" lIns="0" tIns="0" rIns="0" bIns="0" anchor="ctr" anchorCtr="0">
-            <a:noAutofit/>
-          </a:bodyPr>
-          <a:lstStyle/>
-          <a:p>
-            <a:pPr marL="0" marR="0" lvl="0" indent="0" algn="l" rtl="0">
-              <a:lnSpc>
-                <a:spcPct val="120000"/>
-              </a:lnSpc>
-              <a:spcBef>
-                <a:spcPts val="0"/>
-              </a:spcBef>
-              <a:spcAft>
-                <a:spcPts val="0"/>
-              </a:spcAft>
-              <a:buClr>
-                <a:srgbClr val="000000"/>
-              </a:buClr>
-              <a:buSzPts val="750"/>
-              <a:buFont typeface="Urbanist"/>
-              <a:buNone/>
-            </a:pPr>
-            <a:r>
-              <a:rPr lang="en-US" sz="750" b="1" i="0" u="none" strike="noStrike" cap="none">
-                <a:solidFill>
-                  <a:srgbClr val="000000"/>
-                </a:solidFill>
-                <a:latin typeface="Urbanist"/>
-                <a:ea typeface="Urbanist"/>
-                <a:cs typeface="Urbanist"/>
-                <a:sym typeface="Urbanist"/>
-              </a:rPr>
-              <a:t>partners logos</a:t>
-            </a:r>
-            <a:endParaRPr sz="750" b="0" i="0" u="none" strike="noStrike" cap="none">
-              <a:solidFill>
-                <a:schemeClr val="dk1"/>
-              </a:solidFill>
-              <a:latin typeface="Calibri"/>
-              <a:ea typeface="Calibri"/>
-              <a:cs typeface="Calibri"/>
-              <a:sym typeface="Calibri"/>
-            </a:endParaRPr>
-          </a:p>
-        </p:txBody>
-      </p:sp>
-      <p:sp>
-        <p:nvSpPr>
-          <p:cNvPr id="115" name="Google Shape;115;p8"/>
-          <p:cNvSpPr/>
-          <p:nvPr/>
-        </p:nvSpPr>
-        <p:spPr>
-          <a:xfrm>
-            <a:off x="428625" y="1314450"/>
-            <a:ext cx="7439025" cy="800100"/>
-          </a:xfrm>
-          <a:prstGeom prst="rect">
-            <a:avLst/>
-          </a:prstGeom>
-          <a:noFill/>
-          <a:ln>
-            <a:noFill/>
-          </a:ln>
-        </p:spPr>
-        <p:txBody>
-          <a:bodyPr spcFirstLastPara="1" wrap="square" lIns="0" tIns="0" rIns="0" bIns="0" anchor="t" anchorCtr="0">
-            <a:noAutofit/>
-          </a:bodyPr>
-          <a:lstStyle/>
-          <a:p>
-            <a:pPr marL="0" marR="0" lvl="0" indent="0" rtl="0">
-              <a:lnSpc>
-                <a:spcPct val="116666"/>
-              </a:lnSpc>
-              <a:spcBef>
-                <a:spcPts val="0"/>
-              </a:spcBef>
-              <a:spcAft>
-                <a:spcPts val="0"/>
-              </a:spcAft>
-              <a:buClr>
-                <a:srgbClr val="FFFFFF"/>
-              </a:buClr>
-              <a:buSzPts val="5400"/>
-              <a:buFont typeface="Roboto"/>
-              <a:buNone/>
-            </a:pPr>
-            <a:r>
-              <a:rPr lang="en-US" sz="5400" b="1" dirty="0" err="1">
-                <a:solidFill>
-                  <a:srgbClr val="FFFFFF"/>
-                </a:solidFill>
-                <a:latin typeface="Roboto"/>
-                <a:ea typeface="Roboto"/>
-                <a:cs typeface="Roboto"/>
-                <a:sym typeface="Roboto"/>
-              </a:rPr>
-              <a:t>Referenzen</a:t>
-            </a:r>
-            <a:endParaRPr sz="5400" b="0" i="0" u="none" strike="noStrike" cap="none" dirty="0">
-              <a:solidFill>
-                <a:schemeClr val="dk1"/>
-              </a:solidFill>
-              <a:latin typeface="Calibri"/>
-              <a:ea typeface="Calibri"/>
-              <a:cs typeface="Calibri"/>
-              <a:sym typeface="Calibri"/>
-            </a:endParaRPr>
-          </a:p>
-        </p:txBody>
-      </p:sp>
-      <p:sp>
-        <p:nvSpPr>
-          <p:cNvPr id="116" name="Google Shape;116;p8"/>
-          <p:cNvSpPr/>
-          <p:nvPr/>
-        </p:nvSpPr>
-        <p:spPr>
-          <a:xfrm>
-            <a:off x="1657350" y="3124200"/>
-            <a:ext cx="15201900" cy="4781550"/>
-          </a:xfrm>
-          <a:prstGeom prst="rect">
-            <a:avLst/>
-          </a:prstGeom>
-          <a:noFill/>
-          <a:ln>
-            <a:noFill/>
-          </a:ln>
-        </p:spPr>
-        <p:txBody>
-          <a:bodyPr spcFirstLastPara="1" wrap="square" lIns="0" tIns="0" rIns="0" bIns="0" anchor="t" anchorCtr="0">
-            <a:noAutofit/>
-          </a:bodyPr>
-          <a:lstStyle/>
-          <a:p>
-            <a:pPr marL="0" marR="0" lvl="0" indent="0" algn="l" rtl="0">
-              <a:lnSpc>
-                <a:spcPct val="116666"/>
-              </a:lnSpc>
-              <a:spcBef>
-                <a:spcPts val="0"/>
-              </a:spcBef>
-              <a:spcAft>
-                <a:spcPts val="0"/>
-              </a:spcAft>
-              <a:buClr>
-                <a:srgbClr val="FFFFFF"/>
-              </a:buClr>
-              <a:buSzPts val="2250"/>
-              <a:buFont typeface="Urbanist Medium"/>
-              <a:buNone/>
-            </a:pPr>
-            <a:r>
-              <a:rPr lang="en-US" sz="2250" dirty="0">
-                <a:solidFill>
-                  <a:srgbClr val="FFFFFF"/>
-                </a:solidFill>
-                <a:latin typeface="Urbanist Medium"/>
-                <a:ea typeface="Urbanist Medium"/>
-                <a:cs typeface="Urbanist Medium"/>
-                <a:sym typeface="Urbanist Medium"/>
-              </a:rPr>
-              <a:t>Abb. 1: Schema des </a:t>
-            </a:r>
-            <a:r>
-              <a:rPr lang="en-US" sz="2250" dirty="0" err="1">
-                <a:solidFill>
-                  <a:srgbClr val="FFFFFF"/>
-                </a:solidFill>
-                <a:latin typeface="Urbanist Medium"/>
-                <a:ea typeface="Urbanist Medium"/>
-                <a:cs typeface="Urbanist Medium"/>
-                <a:sym typeface="Urbanist Medium"/>
-              </a:rPr>
-              <a:t>Strahlenflusses</a:t>
-            </a:r>
-            <a:r>
-              <a:rPr lang="en-US" sz="2250" dirty="0">
-                <a:solidFill>
-                  <a:srgbClr val="FFFFFF"/>
-                </a:solidFill>
-                <a:latin typeface="Urbanist Medium"/>
-                <a:ea typeface="Urbanist Medium"/>
-                <a:cs typeface="Urbanist Medium"/>
-                <a:sym typeface="Urbanist Medium"/>
-              </a:rPr>
-              <a:t> </a:t>
-            </a:r>
-            <a:r>
-              <a:rPr lang="en-US" sz="2250" dirty="0" err="1">
-                <a:solidFill>
-                  <a:srgbClr val="FFFFFF"/>
-                </a:solidFill>
-                <a:latin typeface="Urbanist Medium"/>
-                <a:ea typeface="Urbanist Medium"/>
-                <a:cs typeface="Urbanist Medium"/>
-                <a:sym typeface="Urbanist Medium"/>
-              </a:rPr>
-              <a:t>bei</a:t>
-            </a:r>
-            <a:r>
-              <a:rPr lang="en-US" sz="2250" dirty="0">
-                <a:solidFill>
-                  <a:srgbClr val="FFFFFF"/>
-                </a:solidFill>
-                <a:latin typeface="Urbanist Medium"/>
-                <a:ea typeface="Urbanist Medium"/>
-                <a:cs typeface="Urbanist Medium"/>
-                <a:sym typeface="Urbanist Medium"/>
-              </a:rPr>
-              <a:t> </a:t>
-            </a:r>
-            <a:r>
-              <a:rPr lang="en-US" sz="2250" dirty="0" err="1">
-                <a:solidFill>
-                  <a:srgbClr val="FFFFFF"/>
-                </a:solidFill>
-                <a:latin typeface="Urbanist Medium"/>
-                <a:ea typeface="Urbanist Medium"/>
-                <a:cs typeface="Urbanist Medium"/>
-                <a:sym typeface="Urbanist Medium"/>
-              </a:rPr>
-              <a:t>aktiven</a:t>
-            </a:r>
-            <a:r>
-              <a:rPr lang="en-US" sz="2250" dirty="0">
-                <a:solidFill>
-                  <a:srgbClr val="FFFFFF"/>
-                </a:solidFill>
-                <a:latin typeface="Urbanist Medium"/>
-                <a:ea typeface="Urbanist Medium"/>
-                <a:cs typeface="Urbanist Medium"/>
-                <a:sym typeface="Urbanist Medium"/>
-              </a:rPr>
-              <a:t> und </a:t>
-            </a:r>
-            <a:r>
-              <a:rPr lang="en-US" sz="2250" dirty="0" err="1">
-                <a:solidFill>
-                  <a:srgbClr val="FFFFFF"/>
-                </a:solidFill>
-                <a:latin typeface="Urbanist Medium"/>
-                <a:ea typeface="Urbanist Medium"/>
-                <a:cs typeface="Urbanist Medium"/>
-                <a:sym typeface="Urbanist Medium"/>
-              </a:rPr>
-              <a:t>passiven</a:t>
-            </a:r>
-            <a:r>
-              <a:rPr lang="en-US" sz="2250" dirty="0">
-                <a:solidFill>
-                  <a:srgbClr val="FFFFFF"/>
-                </a:solidFill>
-                <a:latin typeface="Urbanist Medium"/>
-                <a:ea typeface="Urbanist Medium"/>
-                <a:cs typeface="Urbanist Medium"/>
-                <a:sym typeface="Urbanist Medium"/>
-              </a:rPr>
-              <a:t> </a:t>
-            </a:r>
-            <a:r>
-              <a:rPr lang="en-US" sz="2250" dirty="0" err="1">
-                <a:solidFill>
-                  <a:srgbClr val="FFFFFF"/>
-                </a:solidFill>
-                <a:latin typeface="Urbanist Medium"/>
-                <a:ea typeface="Urbanist Medium"/>
-                <a:cs typeface="Urbanist Medium"/>
-                <a:sym typeface="Urbanist Medium"/>
-              </a:rPr>
-              <a:t>Fernerkundungssystemen</a:t>
-            </a:r>
-            <a:r>
-              <a:rPr lang="en-US" sz="2250" dirty="0">
-                <a:solidFill>
-                  <a:srgbClr val="FFFFFF"/>
-                </a:solidFill>
-                <a:latin typeface="Urbanist Medium"/>
-                <a:ea typeface="Urbanist Medium"/>
-                <a:cs typeface="Urbanist Medium"/>
-                <a:sym typeface="Urbanist Medium"/>
-              </a:rPr>
-              <a:t> (</a:t>
-            </a:r>
-            <a:r>
-              <a:rPr lang="en-US" sz="2250" dirty="0" err="1">
-                <a:solidFill>
-                  <a:srgbClr val="FFFFFF"/>
-                </a:solidFill>
-                <a:latin typeface="Urbanist Medium"/>
-                <a:ea typeface="Urbanist Medium"/>
-                <a:cs typeface="Urbanist Medium"/>
-                <a:sym typeface="Urbanist Medium"/>
-              </a:rPr>
-              <a:t>Albertz</a:t>
-            </a:r>
-            <a:r>
-              <a:rPr lang="en-US" sz="2250" dirty="0">
-                <a:solidFill>
-                  <a:srgbClr val="FFFFFF"/>
-                </a:solidFill>
-                <a:latin typeface="Urbanist Medium"/>
-                <a:ea typeface="Urbanist Medium"/>
-                <a:cs typeface="Urbanist Medium"/>
-                <a:sym typeface="Urbanist Medium"/>
-              </a:rPr>
-              <a:t>, 1991)</a:t>
-            </a:r>
-            <a:br>
-              <a:rPr lang="en-US" sz="2250" dirty="0">
-                <a:solidFill>
-                  <a:srgbClr val="FFFFFF"/>
-                </a:solidFill>
-                <a:latin typeface="Urbanist Medium"/>
-                <a:ea typeface="Urbanist Medium"/>
-                <a:cs typeface="Urbanist Medium"/>
-                <a:sym typeface="Urbanist Medium"/>
-              </a:rPr>
-            </a:br>
-            <a:r>
-              <a:rPr lang="en-US" sz="2250" dirty="0">
-                <a:solidFill>
-                  <a:srgbClr val="FFFFFF"/>
-                </a:solidFill>
-                <a:latin typeface="Urbanist Medium"/>
-                <a:ea typeface="Urbanist Medium"/>
-                <a:cs typeface="Urbanist Medium"/>
-                <a:sym typeface="Urbanist Medium"/>
-              </a:rPr>
-              <a:t>	- </a:t>
-            </a:r>
-            <a:r>
-              <a:rPr lang="en-US" sz="2250" dirty="0">
-                <a:solidFill>
-                  <a:schemeClr val="bg1"/>
-                </a:solidFill>
-                <a:latin typeface="Urbanist Medium"/>
-                <a:ea typeface="Urbanist Medium"/>
-                <a:cs typeface="Urbanist Medium"/>
-                <a:sym typeface="Urbanist Medium"/>
-              </a:rPr>
-              <a:t>https://ivvgeo.uni-muenster.de/vorlesung/FE_Script/1_3.html</a:t>
-            </a:r>
-          </a:p>
-          <a:p>
-            <a:pPr marL="0" marR="0" lvl="0" indent="0" algn="l" rtl="0">
-              <a:lnSpc>
-                <a:spcPct val="116666"/>
-              </a:lnSpc>
-              <a:spcBef>
-                <a:spcPts val="0"/>
-              </a:spcBef>
-              <a:spcAft>
-                <a:spcPts val="0"/>
-              </a:spcAft>
-              <a:buClr>
-                <a:srgbClr val="FFFFFF"/>
-              </a:buClr>
-              <a:buSzPts val="2250"/>
-              <a:buFont typeface="Urbanist Medium"/>
-              <a:buNone/>
-            </a:pPr>
-            <a:endParaRPr lang="en-US" sz="2250" dirty="0">
-              <a:solidFill>
-                <a:srgbClr val="FFFFFF"/>
-              </a:solidFill>
-              <a:latin typeface="Urbanist Medium"/>
-              <a:ea typeface="Urbanist Medium"/>
-              <a:cs typeface="Urbanist Medium"/>
-              <a:sym typeface="Urbanist Medium"/>
-            </a:endParaRPr>
-          </a:p>
-          <a:p>
-            <a:pPr marL="0" marR="0" lvl="0" indent="0" algn="l" rtl="0">
-              <a:lnSpc>
-                <a:spcPct val="116666"/>
-              </a:lnSpc>
-              <a:spcBef>
-                <a:spcPts val="0"/>
-              </a:spcBef>
-              <a:spcAft>
-                <a:spcPts val="0"/>
-              </a:spcAft>
-              <a:buClr>
-                <a:srgbClr val="FFFFFF"/>
-              </a:buClr>
-              <a:buSzPts val="2250"/>
-              <a:buFont typeface="Urbanist Medium"/>
-              <a:buNone/>
-            </a:pPr>
-            <a:r>
-              <a:rPr lang="en-US" sz="2250" dirty="0">
-                <a:solidFill>
-                  <a:srgbClr val="FFFFFF"/>
-                </a:solidFill>
-                <a:latin typeface="Urbanist Medium"/>
-                <a:ea typeface="Urbanist Medium"/>
-                <a:cs typeface="Urbanist Medium"/>
-                <a:sym typeface="Urbanist Medium"/>
-              </a:rPr>
-              <a:t>Abb 2:</a:t>
-            </a:r>
-          </a:p>
-          <a:p>
-            <a:pPr marL="0" marR="0" lvl="0" indent="0" algn="l" rtl="0">
-              <a:lnSpc>
-                <a:spcPct val="116666"/>
-              </a:lnSpc>
-              <a:spcBef>
-                <a:spcPts val="0"/>
-              </a:spcBef>
-              <a:spcAft>
-                <a:spcPts val="0"/>
-              </a:spcAft>
-              <a:buClr>
-                <a:srgbClr val="FFFFFF"/>
-              </a:buClr>
-              <a:buSzPts val="2250"/>
-              <a:buFont typeface="Urbanist Medium"/>
-              <a:buNone/>
-            </a:pPr>
-            <a:endParaRPr lang="en-US" sz="2250" dirty="0">
-              <a:solidFill>
-                <a:srgbClr val="FFFFFF"/>
-              </a:solidFill>
-              <a:latin typeface="Urbanist Medium"/>
-              <a:ea typeface="Urbanist Medium"/>
-              <a:cs typeface="Urbanist Medium"/>
-              <a:sym typeface="Urbanist Medium"/>
-            </a:endParaRPr>
-          </a:p>
-          <a:p>
-            <a:pPr marL="0" marR="0" lvl="0" indent="0" algn="l" rtl="0">
-              <a:lnSpc>
-                <a:spcPct val="116666"/>
-              </a:lnSpc>
-              <a:spcBef>
-                <a:spcPts val="0"/>
-              </a:spcBef>
-              <a:spcAft>
-                <a:spcPts val="0"/>
-              </a:spcAft>
-              <a:buClr>
-                <a:srgbClr val="FFFFFF"/>
-              </a:buClr>
-              <a:buSzPts val="2250"/>
-              <a:buFont typeface="Urbanist Medium"/>
-              <a:buNone/>
-            </a:pPr>
-            <a:r>
-              <a:rPr lang="en-US" sz="2250" dirty="0">
-                <a:solidFill>
-                  <a:srgbClr val="FFFFFF"/>
-                </a:solidFill>
-                <a:latin typeface="Urbanist Medium"/>
-                <a:ea typeface="Urbanist Medium"/>
-                <a:cs typeface="Urbanist Medium"/>
-                <a:sym typeface="Urbanist Medium"/>
-              </a:rPr>
-              <a:t>Abb. 3: </a:t>
-            </a:r>
-            <a:r>
-              <a:rPr lang="en-US" sz="2250" dirty="0" err="1">
-                <a:solidFill>
-                  <a:srgbClr val="FFFFFF"/>
-                </a:solidFill>
-                <a:latin typeface="Urbanist Medium"/>
-                <a:ea typeface="Urbanist Medium"/>
-                <a:cs typeface="Urbanist Medium"/>
-                <a:sym typeface="Urbanist Medium"/>
-              </a:rPr>
-              <a:t>Luftaufklärung</a:t>
-            </a:r>
-            <a:r>
-              <a:rPr lang="en-US" sz="2250" dirty="0">
-                <a:solidFill>
-                  <a:srgbClr val="FFFFFF"/>
-                </a:solidFill>
-                <a:latin typeface="Urbanist Medium"/>
-                <a:ea typeface="Urbanist Medium"/>
-                <a:cs typeface="Urbanist Medium"/>
-                <a:sym typeface="Urbanist Medium"/>
-              </a:rPr>
-              <a:t> </a:t>
-            </a:r>
-            <a:r>
-              <a:rPr lang="en-US" sz="2250" dirty="0" err="1">
-                <a:solidFill>
-                  <a:srgbClr val="FFFFFF"/>
-                </a:solidFill>
-                <a:latin typeface="Urbanist Medium"/>
-                <a:ea typeface="Urbanist Medium"/>
-                <a:cs typeface="Urbanist Medium"/>
-                <a:sym typeface="Urbanist Medium"/>
-              </a:rPr>
-              <a:t>im</a:t>
-            </a:r>
-            <a:r>
-              <a:rPr lang="en-US" sz="2250" dirty="0">
-                <a:solidFill>
-                  <a:srgbClr val="FFFFFF"/>
-                </a:solidFill>
-                <a:latin typeface="Urbanist Medium"/>
-                <a:ea typeface="Urbanist Medium"/>
-                <a:cs typeface="Urbanist Medium"/>
-                <a:sym typeface="Urbanist Medium"/>
-              </a:rPr>
-              <a:t> 1.Weltkrieg (1916) - https://en.wikipedia.org/wiki/Aerial_reconnaissance</a:t>
-            </a:r>
           </a:p>
         </p:txBody>
       </p:sp>
@@ -13018,18 +13506,15 @@
               </a:rPr>
               <a:t>Greiwe</a:t>
             </a:r>
-            <a:r>
-              <a:rPr lang="en-US" sz="2250" dirty="0">
-                <a:solidFill>
-                  <a:srgbClr val="FFFFFF"/>
-                </a:solidFill>
-                <a:latin typeface="Urbanist Medium"/>
-                <a:ea typeface="Urbanist Medium"/>
-                <a:cs typeface="Urbanist Medium"/>
-                <a:sym typeface="Urbanist Medium"/>
-              </a:rPr>
-              <a:t> – Own Work</a:t>
-            </a:r>
+            <a:endParaRPr lang="en-US" sz="2250" dirty="0">
+              <a:solidFill>
+                <a:srgbClr val="FFFFFF"/>
+              </a:solidFill>
+              <a:latin typeface="Urbanist Medium"/>
+              <a:ea typeface="Urbanist Medium"/>
+              <a:cs typeface="Urbanist Medium"/>
+              <a:sym typeface="Urbanist Medium"/>
+            </a:endParaRPr>
           </a:p>
           <a:p>
             <a:pPr marL="0" marR="0" lvl="0" indent="0" algn="l" rtl="0">
@@ -13101,18 +13586,15 @@
               </a:rPr>
               <a:t>Greiwe</a:t>
             </a:r>
-            <a:r>
-              <a:rPr lang="en-US" sz="2250" dirty="0">
-                <a:solidFill>
-                  <a:srgbClr val="FFFFFF"/>
-                </a:solidFill>
-                <a:latin typeface="Urbanist Medium"/>
-                <a:ea typeface="Urbanist Medium"/>
-                <a:cs typeface="Urbanist Medium"/>
-                <a:sym typeface="Urbanist Medium"/>
-              </a:rPr>
-              <a:t> – Own Work</a:t>
-            </a:r>
+            <a:endParaRPr lang="en-US" sz="2250" dirty="0">
+              <a:solidFill>
+                <a:srgbClr val="FFFFFF"/>
+              </a:solidFill>
+              <a:latin typeface="Urbanist Medium"/>
+              <a:ea typeface="Urbanist Medium"/>
+              <a:cs typeface="Urbanist Medium"/>
+              <a:sym typeface="Urbanist Medium"/>
+            </a:endParaRPr>
           </a:p>
           <a:p>
             <a:pPr marL="0" marR="0" lvl="0" indent="0" algn="l" rtl="0">
@@ -13218,7 +13700,7 @@
                 <a:cs typeface="Urbanist Medium"/>
                 <a:sym typeface="Urbanist Medium"/>
               </a:rPr>
-              <a:t> – Own Work - https://commons.wikimedia.org/wiki/File:Remote_Sensing_Illustration.jpg</a:t>
+              <a:t> - https://commons.wikimedia.org/wiki/File:Remote_Sensing_Illustration.jpg</a:t>
             </a:r>
           </a:p>
           <a:p>
@@ -13887,7 +14369,7 @@
                 <a:cs typeface="Urbanist Medium"/>
                 <a:sym typeface="Urbanist Medium"/>
               </a:rPr>
-              <a:t> – own Work - https://commons.wikimedia.org/wiki/File:Object_based_image_analysis.jpg</a:t>
+              <a:t> – https://commons.wikimedia.org/wiki/File:Object_based_image_analysis.jpg</a:t>
             </a:r>
           </a:p>
           <a:p>
@@ -21399,6 +21881,801 @@
     </p:bg>
     <p:spTree>
       <p:nvGrpSpPr>
+        <p:cNvPr id="1" name="Shape 102"/>
+        <p:cNvGrpSpPr/>
+        <p:nvPr/>
+      </p:nvGrpSpPr>
+      <p:grpSpPr>
+        <a:xfrm>
+          <a:off x="0" y="0"/>
+          <a:ext cx="0" cy="0"/>
+          <a:chOff x="0" y="0"/>
+          <a:chExt cx="0" cy="0"/>
+        </a:xfrm>
+      </p:grpSpPr>
+      <p:pic>
+        <p:nvPicPr>
+          <p:cNvPr id="103" name="Google Shape;103;p8" descr="preencoded.png"/>
+          <p:cNvPicPr preferRelativeResize="0"/>
+          <p:nvPr/>
+        </p:nvPicPr>
+        <p:blipFill rotWithShape="1">
+          <a:blip r:embed="rId3">
+            <a:alphaModFix/>
+          </a:blip>
+          <a:srcRect/>
+          <a:stretch/>
+        </p:blipFill>
+        <p:spPr>
+          <a:xfrm>
+            <a:off x="0" y="0"/>
+            <a:ext cx="18288000" cy="9985056"/>
+          </a:xfrm>
+          <a:prstGeom prst="rect">
+            <a:avLst/>
+          </a:prstGeom>
+          <a:noFill/>
+          <a:ln>
+            <a:noFill/>
+          </a:ln>
+        </p:spPr>
+      </p:pic>
+      <p:pic>
+        <p:nvPicPr>
+          <p:cNvPr id="105" name="Google Shape;105;p8" descr="preencoded.png"/>
+          <p:cNvPicPr preferRelativeResize="0"/>
+          <p:nvPr/>
+        </p:nvPicPr>
+        <p:blipFill rotWithShape="1">
+          <a:blip r:embed="rId4">
+            <a:alphaModFix/>
+          </a:blip>
+          <a:srcRect/>
+          <a:stretch/>
+        </p:blipFill>
+        <p:spPr>
+          <a:xfrm>
+            <a:off x="16240125" y="9505950"/>
+            <a:ext cx="1095375" cy="614474"/>
+          </a:xfrm>
+          <a:prstGeom prst="rect">
+            <a:avLst/>
+          </a:prstGeom>
+          <a:noFill/>
+          <a:ln>
+            <a:noFill/>
+          </a:ln>
+        </p:spPr>
+      </p:pic>
+      <p:pic>
+        <p:nvPicPr>
+          <p:cNvPr id="106" name="Google Shape;106;p8" descr="preencoded.png"/>
+          <p:cNvPicPr preferRelativeResize="0"/>
+          <p:nvPr/>
+        </p:nvPicPr>
+        <p:blipFill rotWithShape="1">
+          <a:blip r:embed="rId5">
+            <a:alphaModFix/>
+          </a:blip>
+          <a:srcRect/>
+          <a:stretch/>
+        </p:blipFill>
+        <p:spPr>
+          <a:xfrm>
+            <a:off x="876300" y="9572625"/>
+            <a:ext cx="1095375" cy="534749"/>
+          </a:xfrm>
+          <a:prstGeom prst="rect">
+            <a:avLst/>
+          </a:prstGeom>
+          <a:noFill/>
+          <a:ln>
+            <a:noFill/>
+          </a:ln>
+        </p:spPr>
+      </p:pic>
+      <p:pic>
+        <p:nvPicPr>
+          <p:cNvPr id="107" name="Google Shape;107;p8" descr="preencoded.png"/>
+          <p:cNvPicPr preferRelativeResize="0"/>
+          <p:nvPr/>
+        </p:nvPicPr>
+        <p:blipFill rotWithShape="1">
+          <a:blip r:embed="rId6">
+            <a:alphaModFix/>
+          </a:blip>
+          <a:srcRect/>
+          <a:stretch/>
+        </p:blipFill>
+        <p:spPr>
+          <a:xfrm>
+            <a:off x="0" y="952500"/>
+            <a:ext cx="95250" cy="1428750"/>
+          </a:xfrm>
+          <a:prstGeom prst="rect">
+            <a:avLst/>
+          </a:prstGeom>
+          <a:noFill/>
+          <a:ln>
+            <a:noFill/>
+          </a:ln>
+        </p:spPr>
+      </p:pic>
+      <p:pic>
+        <p:nvPicPr>
+          <p:cNvPr id="108" name="Google Shape;108;p8" descr="preencoded.png"/>
+          <p:cNvPicPr preferRelativeResize="0"/>
+          <p:nvPr/>
+        </p:nvPicPr>
+        <p:blipFill rotWithShape="1">
+          <a:blip r:embed="rId7">
+            <a:alphaModFix/>
+          </a:blip>
+          <a:srcRect/>
+          <a:stretch/>
+        </p:blipFill>
+        <p:spPr>
+          <a:xfrm>
+            <a:off x="1428750" y="3201255"/>
+            <a:ext cx="115237" cy="2345106"/>
+          </a:xfrm>
+          <a:prstGeom prst="rect">
+            <a:avLst/>
+          </a:prstGeom>
+          <a:noFill/>
+          <a:ln>
+            <a:noFill/>
+          </a:ln>
+        </p:spPr>
+      </p:pic>
+      <p:pic>
+        <p:nvPicPr>
+          <p:cNvPr id="112" name="Google Shape;112;p8" descr="preencoded.png"/>
+          <p:cNvPicPr preferRelativeResize="0"/>
+          <p:nvPr/>
+        </p:nvPicPr>
+        <p:blipFill rotWithShape="1">
+          <a:blip r:embed="rId8">
+            <a:alphaModFix/>
+          </a:blip>
+          <a:srcRect/>
+          <a:stretch/>
+        </p:blipFill>
+        <p:spPr>
+          <a:xfrm>
+            <a:off x="15611475" y="7905750"/>
+            <a:ext cx="1905000" cy="676275"/>
+          </a:xfrm>
+          <a:prstGeom prst="rect">
+            <a:avLst/>
+          </a:prstGeom>
+          <a:noFill/>
+          <a:ln>
+            <a:noFill/>
+          </a:ln>
+        </p:spPr>
+      </p:pic>
+      <p:sp>
+        <p:nvSpPr>
+          <p:cNvPr id="113" name="Google Shape;113;p8"/>
+          <p:cNvSpPr/>
+          <p:nvPr/>
+        </p:nvSpPr>
+        <p:spPr>
+          <a:xfrm>
+            <a:off x="904875" y="9391650"/>
+            <a:ext cx="1457325" cy="95250"/>
+          </a:xfrm>
+          <a:prstGeom prst="rect">
+            <a:avLst/>
+          </a:prstGeom>
+          <a:noFill/>
+          <a:ln>
+            <a:noFill/>
+          </a:ln>
+        </p:spPr>
+        <p:txBody>
+          <a:bodyPr spcFirstLastPara="1" wrap="square" lIns="0" tIns="0" rIns="0" bIns="0" anchor="ctr" anchorCtr="0">
+            <a:noAutofit/>
+          </a:bodyPr>
+          <a:lstStyle/>
+          <a:p>
+            <a:pPr marL="0" marR="0" lvl="0" indent="0" algn="l" rtl="0">
+              <a:lnSpc>
+                <a:spcPct val="120000"/>
+              </a:lnSpc>
+              <a:spcBef>
+                <a:spcPts val="0"/>
+              </a:spcBef>
+              <a:spcAft>
+                <a:spcPts val="0"/>
+              </a:spcAft>
+              <a:buClr>
+                <a:srgbClr val="000000"/>
+              </a:buClr>
+              <a:buSzPts val="750"/>
+              <a:buFont typeface="Urbanist"/>
+              <a:buNone/>
+            </a:pPr>
+            <a:r>
+              <a:rPr lang="en-US" sz="750" b="1" i="0" u="none" strike="noStrike" cap="none">
+                <a:solidFill>
+                  <a:srgbClr val="000000"/>
+                </a:solidFill>
+                <a:latin typeface="Urbanist"/>
+                <a:ea typeface="Urbanist"/>
+                <a:cs typeface="Urbanist"/>
+                <a:sym typeface="Urbanist"/>
+              </a:rPr>
+              <a:t>partners logos</a:t>
+            </a:r>
+            <a:endParaRPr sz="750" b="0" i="0" u="none" strike="noStrike" cap="none">
+              <a:solidFill>
+                <a:schemeClr val="dk1"/>
+              </a:solidFill>
+              <a:latin typeface="Calibri"/>
+              <a:ea typeface="Calibri"/>
+              <a:cs typeface="Calibri"/>
+              <a:sym typeface="Calibri"/>
+            </a:endParaRPr>
+          </a:p>
+        </p:txBody>
+      </p:sp>
+      <p:sp>
+        <p:nvSpPr>
+          <p:cNvPr id="114" name="Google Shape;114;p8"/>
+          <p:cNvSpPr/>
+          <p:nvPr/>
+        </p:nvSpPr>
+        <p:spPr>
+          <a:xfrm>
+            <a:off x="16687800" y="9353550"/>
+            <a:ext cx="1600200" cy="104775"/>
+          </a:xfrm>
+          <a:prstGeom prst="rect">
+            <a:avLst/>
+          </a:prstGeom>
+          <a:noFill/>
+          <a:ln>
+            <a:noFill/>
+          </a:ln>
+        </p:spPr>
+        <p:txBody>
+          <a:bodyPr spcFirstLastPara="1" wrap="square" lIns="0" tIns="0" rIns="0" bIns="0" anchor="ctr" anchorCtr="0">
+            <a:noAutofit/>
+          </a:bodyPr>
+          <a:lstStyle/>
+          <a:p>
+            <a:pPr marL="0" marR="0" lvl="0" indent="0" algn="l" rtl="0">
+              <a:lnSpc>
+                <a:spcPct val="120000"/>
+              </a:lnSpc>
+              <a:spcBef>
+                <a:spcPts val="0"/>
+              </a:spcBef>
+              <a:spcAft>
+                <a:spcPts val="0"/>
+              </a:spcAft>
+              <a:buClr>
+                <a:srgbClr val="000000"/>
+              </a:buClr>
+              <a:buSzPts val="750"/>
+              <a:buFont typeface="Urbanist"/>
+              <a:buNone/>
+            </a:pPr>
+            <a:r>
+              <a:rPr lang="en-US" sz="750" b="1" i="0" u="none" strike="noStrike" cap="none">
+                <a:solidFill>
+                  <a:srgbClr val="000000"/>
+                </a:solidFill>
+                <a:latin typeface="Urbanist"/>
+                <a:ea typeface="Urbanist"/>
+                <a:cs typeface="Urbanist"/>
+                <a:sym typeface="Urbanist"/>
+              </a:rPr>
+              <a:t>partners logos</a:t>
+            </a:r>
+            <a:endParaRPr sz="750" b="0" i="0" u="none" strike="noStrike" cap="none">
+              <a:solidFill>
+                <a:schemeClr val="dk1"/>
+              </a:solidFill>
+              <a:latin typeface="Calibri"/>
+              <a:ea typeface="Calibri"/>
+              <a:cs typeface="Calibri"/>
+              <a:sym typeface="Calibri"/>
+            </a:endParaRPr>
+          </a:p>
+        </p:txBody>
+      </p:sp>
+      <p:sp>
+        <p:nvSpPr>
+          <p:cNvPr id="115" name="Google Shape;115;p8"/>
+          <p:cNvSpPr/>
+          <p:nvPr/>
+        </p:nvSpPr>
+        <p:spPr>
+          <a:xfrm>
+            <a:off x="428625" y="1314450"/>
+            <a:ext cx="7439025" cy="800100"/>
+          </a:xfrm>
+          <a:prstGeom prst="rect">
+            <a:avLst/>
+          </a:prstGeom>
+          <a:noFill/>
+          <a:ln>
+            <a:noFill/>
+          </a:ln>
+        </p:spPr>
+        <p:txBody>
+          <a:bodyPr spcFirstLastPara="1" wrap="square" lIns="0" tIns="0" rIns="0" bIns="0" anchor="t" anchorCtr="0">
+            <a:noAutofit/>
+          </a:bodyPr>
+          <a:lstStyle/>
+          <a:p>
+            <a:pPr marL="0" marR="0" lvl="0" indent="0" rtl="0">
+              <a:lnSpc>
+                <a:spcPct val="116666"/>
+              </a:lnSpc>
+              <a:spcBef>
+                <a:spcPts val="0"/>
+              </a:spcBef>
+              <a:spcAft>
+                <a:spcPts val="0"/>
+              </a:spcAft>
+              <a:buClr>
+                <a:srgbClr val="FFFFFF"/>
+              </a:buClr>
+              <a:buSzPts val="5400"/>
+              <a:buFont typeface="Roboto"/>
+              <a:buNone/>
+            </a:pPr>
+            <a:r>
+              <a:rPr lang="en-US" sz="5400" b="1" dirty="0" err="1">
+                <a:solidFill>
+                  <a:srgbClr val="FFFFFF"/>
+                </a:solidFill>
+                <a:latin typeface="Roboto"/>
+                <a:ea typeface="Roboto"/>
+                <a:cs typeface="Roboto"/>
+                <a:sym typeface="Roboto"/>
+              </a:rPr>
+              <a:t>Referenzen</a:t>
+            </a:r>
+            <a:endParaRPr sz="5400" b="0" i="0" u="none" strike="noStrike" cap="none" dirty="0">
+              <a:solidFill>
+                <a:schemeClr val="dk1"/>
+              </a:solidFill>
+              <a:latin typeface="Calibri"/>
+              <a:ea typeface="Calibri"/>
+              <a:cs typeface="Calibri"/>
+              <a:sym typeface="Calibri"/>
+            </a:endParaRPr>
+          </a:p>
+        </p:txBody>
+      </p:sp>
+      <p:sp>
+        <p:nvSpPr>
+          <p:cNvPr id="116" name="Google Shape;116;p8"/>
+          <p:cNvSpPr/>
+          <p:nvPr/>
+        </p:nvSpPr>
+        <p:spPr>
+          <a:xfrm>
+            <a:off x="1657350" y="3124200"/>
+            <a:ext cx="15201900" cy="4781550"/>
+          </a:xfrm>
+          <a:prstGeom prst="rect">
+            <a:avLst/>
+          </a:prstGeom>
+          <a:noFill/>
+          <a:ln>
+            <a:noFill/>
+          </a:ln>
+        </p:spPr>
+        <p:txBody>
+          <a:bodyPr spcFirstLastPara="1" wrap="square" lIns="0" tIns="0" rIns="0" bIns="0" anchor="t" anchorCtr="0">
+            <a:noAutofit/>
+          </a:bodyPr>
+          <a:lstStyle/>
+          <a:p>
+            <a:pPr marL="0" marR="0" lvl="0" indent="0" algn="l" rtl="0">
+              <a:lnSpc>
+                <a:spcPct val="116666"/>
+              </a:lnSpc>
+              <a:spcBef>
+                <a:spcPts val="0"/>
+              </a:spcBef>
+              <a:spcAft>
+                <a:spcPts val="0"/>
+              </a:spcAft>
+              <a:buClr>
+                <a:srgbClr val="FFFFFF"/>
+              </a:buClr>
+              <a:buSzPts val="2250"/>
+              <a:buFont typeface="Urbanist Medium"/>
+              <a:buNone/>
+            </a:pPr>
+            <a:r>
+              <a:rPr lang="en-US" sz="2250" dirty="0">
+                <a:solidFill>
+                  <a:srgbClr val="FFFFFF"/>
+                </a:solidFill>
+                <a:latin typeface="Urbanist Medium"/>
+                <a:ea typeface="Urbanist Medium"/>
+                <a:cs typeface="Urbanist Medium"/>
+                <a:sym typeface="Urbanist Medium"/>
+              </a:rPr>
+              <a:t>Abb. 1: Schema des </a:t>
+            </a:r>
+            <a:r>
+              <a:rPr lang="en-US" sz="2250" dirty="0" err="1">
+                <a:solidFill>
+                  <a:srgbClr val="FFFFFF"/>
+                </a:solidFill>
+                <a:latin typeface="Urbanist Medium"/>
+                <a:ea typeface="Urbanist Medium"/>
+                <a:cs typeface="Urbanist Medium"/>
+                <a:sym typeface="Urbanist Medium"/>
+              </a:rPr>
+              <a:t>Strahlenflusses</a:t>
+            </a:r>
+            <a:r>
+              <a:rPr lang="en-US" sz="2250" dirty="0">
+                <a:solidFill>
+                  <a:srgbClr val="FFFFFF"/>
+                </a:solidFill>
+                <a:latin typeface="Urbanist Medium"/>
+                <a:ea typeface="Urbanist Medium"/>
+                <a:cs typeface="Urbanist Medium"/>
+                <a:sym typeface="Urbanist Medium"/>
+              </a:rPr>
+              <a:t> </a:t>
+            </a:r>
+            <a:r>
+              <a:rPr lang="en-US" sz="2250" dirty="0" err="1">
+                <a:solidFill>
+                  <a:srgbClr val="FFFFFF"/>
+                </a:solidFill>
+                <a:latin typeface="Urbanist Medium"/>
+                <a:ea typeface="Urbanist Medium"/>
+                <a:cs typeface="Urbanist Medium"/>
+                <a:sym typeface="Urbanist Medium"/>
+              </a:rPr>
+              <a:t>bei</a:t>
+            </a:r>
+            <a:r>
+              <a:rPr lang="en-US" sz="2250" dirty="0">
+                <a:solidFill>
+                  <a:srgbClr val="FFFFFF"/>
+                </a:solidFill>
+                <a:latin typeface="Urbanist Medium"/>
+                <a:ea typeface="Urbanist Medium"/>
+                <a:cs typeface="Urbanist Medium"/>
+                <a:sym typeface="Urbanist Medium"/>
+              </a:rPr>
+              <a:t> </a:t>
+            </a:r>
+            <a:r>
+              <a:rPr lang="en-US" sz="2250" dirty="0" err="1">
+                <a:solidFill>
+                  <a:srgbClr val="FFFFFF"/>
+                </a:solidFill>
+                <a:latin typeface="Urbanist Medium"/>
+                <a:ea typeface="Urbanist Medium"/>
+                <a:cs typeface="Urbanist Medium"/>
+                <a:sym typeface="Urbanist Medium"/>
+              </a:rPr>
+              <a:t>aktiven</a:t>
+            </a:r>
+            <a:r>
+              <a:rPr lang="en-US" sz="2250" dirty="0">
+                <a:solidFill>
+                  <a:srgbClr val="FFFFFF"/>
+                </a:solidFill>
+                <a:latin typeface="Urbanist Medium"/>
+                <a:ea typeface="Urbanist Medium"/>
+                <a:cs typeface="Urbanist Medium"/>
+                <a:sym typeface="Urbanist Medium"/>
+              </a:rPr>
+              <a:t> und </a:t>
+            </a:r>
+            <a:r>
+              <a:rPr lang="en-US" sz="2250" dirty="0" err="1">
+                <a:solidFill>
+                  <a:srgbClr val="FFFFFF"/>
+                </a:solidFill>
+                <a:latin typeface="Urbanist Medium"/>
+                <a:ea typeface="Urbanist Medium"/>
+                <a:cs typeface="Urbanist Medium"/>
+                <a:sym typeface="Urbanist Medium"/>
+              </a:rPr>
+              <a:t>passiven</a:t>
+            </a:r>
+            <a:r>
+              <a:rPr lang="en-US" sz="2250" dirty="0">
+                <a:solidFill>
+                  <a:srgbClr val="FFFFFF"/>
+                </a:solidFill>
+                <a:latin typeface="Urbanist Medium"/>
+                <a:ea typeface="Urbanist Medium"/>
+                <a:cs typeface="Urbanist Medium"/>
+                <a:sym typeface="Urbanist Medium"/>
+              </a:rPr>
+              <a:t> </a:t>
+            </a:r>
+            <a:r>
+              <a:rPr lang="en-US" sz="2250" dirty="0" err="1">
+                <a:solidFill>
+                  <a:srgbClr val="FFFFFF"/>
+                </a:solidFill>
+                <a:latin typeface="Urbanist Medium"/>
+                <a:ea typeface="Urbanist Medium"/>
+                <a:cs typeface="Urbanist Medium"/>
+                <a:sym typeface="Urbanist Medium"/>
+              </a:rPr>
+              <a:t>Fernerkundungssystemen</a:t>
+            </a:r>
+            <a:r>
+              <a:rPr lang="en-US" sz="2250" dirty="0">
+                <a:solidFill>
+                  <a:srgbClr val="FFFFFF"/>
+                </a:solidFill>
+                <a:latin typeface="Urbanist Medium"/>
+                <a:ea typeface="Urbanist Medium"/>
+                <a:cs typeface="Urbanist Medium"/>
+                <a:sym typeface="Urbanist Medium"/>
+              </a:rPr>
+              <a:t> (</a:t>
+            </a:r>
+            <a:r>
+              <a:rPr lang="en-US" sz="2250" dirty="0" err="1">
+                <a:solidFill>
+                  <a:srgbClr val="FFFFFF"/>
+                </a:solidFill>
+                <a:latin typeface="Urbanist Medium"/>
+                <a:ea typeface="Urbanist Medium"/>
+                <a:cs typeface="Urbanist Medium"/>
+                <a:sym typeface="Urbanist Medium"/>
+              </a:rPr>
+              <a:t>Albertz</a:t>
+            </a:r>
+            <a:r>
+              <a:rPr lang="en-US" sz="2250" dirty="0">
+                <a:solidFill>
+                  <a:srgbClr val="FFFFFF"/>
+                </a:solidFill>
+                <a:latin typeface="Urbanist Medium"/>
+                <a:ea typeface="Urbanist Medium"/>
+                <a:cs typeface="Urbanist Medium"/>
+                <a:sym typeface="Urbanist Medium"/>
+              </a:rPr>
+              <a:t>, 1991)</a:t>
+            </a:r>
+            <a:br>
+              <a:rPr lang="en-US" sz="2250" dirty="0">
+                <a:solidFill>
+                  <a:srgbClr val="FFFFFF"/>
+                </a:solidFill>
+                <a:latin typeface="Urbanist Medium"/>
+                <a:ea typeface="Urbanist Medium"/>
+                <a:cs typeface="Urbanist Medium"/>
+                <a:sym typeface="Urbanist Medium"/>
+              </a:rPr>
+            </a:br>
+            <a:r>
+              <a:rPr lang="en-US" sz="2250" dirty="0">
+                <a:solidFill>
+                  <a:srgbClr val="FFFFFF"/>
+                </a:solidFill>
+                <a:latin typeface="Urbanist Medium"/>
+                <a:ea typeface="Urbanist Medium"/>
+                <a:cs typeface="Urbanist Medium"/>
+                <a:sym typeface="Urbanist Medium"/>
+              </a:rPr>
+              <a:t>	- </a:t>
+            </a:r>
+            <a:r>
+              <a:rPr lang="en-US" sz="2250" dirty="0">
+                <a:solidFill>
+                  <a:schemeClr val="bg1"/>
+                </a:solidFill>
+                <a:latin typeface="Urbanist Medium"/>
+                <a:ea typeface="Urbanist Medium"/>
+                <a:cs typeface="Urbanist Medium"/>
+                <a:sym typeface="Urbanist Medium"/>
+              </a:rPr>
+              <a:t>https://ivvgeo.uni-muenster.de/vorlesung/FE_Script/1_3.html</a:t>
+            </a:r>
+          </a:p>
+          <a:p>
+            <a:pPr marL="0" marR="0" lvl="0" indent="0" algn="l" rtl="0">
+              <a:lnSpc>
+                <a:spcPct val="116666"/>
+              </a:lnSpc>
+              <a:spcBef>
+                <a:spcPts val="0"/>
+              </a:spcBef>
+              <a:spcAft>
+                <a:spcPts val="0"/>
+              </a:spcAft>
+              <a:buClr>
+                <a:srgbClr val="FFFFFF"/>
+              </a:buClr>
+              <a:buSzPts val="2250"/>
+              <a:buFont typeface="Urbanist Medium"/>
+              <a:buNone/>
+            </a:pPr>
+            <a:endParaRPr lang="en-US" sz="2250" dirty="0">
+              <a:solidFill>
+                <a:srgbClr val="FFFFFF"/>
+              </a:solidFill>
+              <a:latin typeface="Urbanist Medium"/>
+              <a:ea typeface="Urbanist Medium"/>
+              <a:cs typeface="Urbanist Medium"/>
+              <a:sym typeface="Urbanist Medium"/>
+            </a:endParaRPr>
+          </a:p>
+          <a:p>
+            <a:pPr marL="0" marR="0" lvl="0" indent="0" algn="l" rtl="0">
+              <a:lnSpc>
+                <a:spcPct val="116666"/>
+              </a:lnSpc>
+              <a:spcBef>
+                <a:spcPts val="0"/>
+              </a:spcBef>
+              <a:spcAft>
+                <a:spcPts val="0"/>
+              </a:spcAft>
+              <a:buClr>
+                <a:srgbClr val="FFFFFF"/>
+              </a:buClr>
+              <a:buSzPts val="2250"/>
+              <a:buFont typeface="Urbanist Medium"/>
+              <a:buNone/>
+            </a:pPr>
+            <a:r>
+              <a:rPr lang="en-US" sz="2250" dirty="0">
+                <a:solidFill>
+                  <a:srgbClr val="FFFFFF"/>
+                </a:solidFill>
+                <a:latin typeface="Urbanist Medium"/>
+                <a:ea typeface="Urbanist Medium"/>
+                <a:cs typeface="Urbanist Medium"/>
+                <a:sym typeface="Urbanist Medium"/>
+              </a:rPr>
+              <a:t>Abb 2:</a:t>
+            </a:r>
+          </a:p>
+          <a:p>
+            <a:pPr marL="0" marR="0" lvl="0" indent="0" algn="l" rtl="0">
+              <a:lnSpc>
+                <a:spcPct val="116666"/>
+              </a:lnSpc>
+              <a:spcBef>
+                <a:spcPts val="0"/>
+              </a:spcBef>
+              <a:spcAft>
+                <a:spcPts val="0"/>
+              </a:spcAft>
+              <a:buClr>
+                <a:srgbClr val="FFFFFF"/>
+              </a:buClr>
+              <a:buSzPts val="2250"/>
+              <a:buFont typeface="Urbanist Medium"/>
+              <a:buNone/>
+            </a:pPr>
+            <a:endParaRPr lang="en-US" sz="2250" dirty="0">
+              <a:solidFill>
+                <a:srgbClr val="FFFFFF"/>
+              </a:solidFill>
+              <a:latin typeface="Urbanist Medium"/>
+              <a:ea typeface="Urbanist Medium"/>
+              <a:cs typeface="Urbanist Medium"/>
+              <a:sym typeface="Urbanist Medium"/>
+            </a:endParaRPr>
+          </a:p>
+          <a:p>
+            <a:pPr marL="0" marR="0" lvl="0" indent="0" algn="l" rtl="0">
+              <a:lnSpc>
+                <a:spcPct val="116666"/>
+              </a:lnSpc>
+              <a:spcBef>
+                <a:spcPts val="0"/>
+              </a:spcBef>
+              <a:spcAft>
+                <a:spcPts val="0"/>
+              </a:spcAft>
+              <a:buClr>
+                <a:srgbClr val="FFFFFF"/>
+              </a:buClr>
+              <a:buSzPts val="2250"/>
+              <a:buFont typeface="Urbanist Medium"/>
+              <a:buNone/>
+            </a:pPr>
+            <a:r>
+              <a:rPr lang="en-US" sz="2250" dirty="0">
+                <a:solidFill>
+                  <a:srgbClr val="FFFFFF"/>
+                </a:solidFill>
+                <a:latin typeface="Urbanist Medium"/>
+                <a:ea typeface="Urbanist Medium"/>
+                <a:cs typeface="Urbanist Medium"/>
+                <a:sym typeface="Urbanist Medium"/>
+              </a:rPr>
+              <a:t>Abb. 3: </a:t>
+            </a:r>
+            <a:r>
+              <a:rPr lang="en-US" sz="2250" dirty="0" err="1">
+                <a:solidFill>
+                  <a:srgbClr val="FFFFFF"/>
+                </a:solidFill>
+                <a:latin typeface="Urbanist Medium"/>
+                <a:ea typeface="Urbanist Medium"/>
+                <a:cs typeface="Urbanist Medium"/>
+                <a:sym typeface="Urbanist Medium"/>
+              </a:rPr>
+              <a:t>Luftaufklärung</a:t>
+            </a:r>
+            <a:r>
+              <a:rPr lang="en-US" sz="2250" dirty="0">
+                <a:solidFill>
+                  <a:srgbClr val="FFFFFF"/>
+                </a:solidFill>
+                <a:latin typeface="Urbanist Medium"/>
+                <a:ea typeface="Urbanist Medium"/>
+                <a:cs typeface="Urbanist Medium"/>
+                <a:sym typeface="Urbanist Medium"/>
+              </a:rPr>
+              <a:t> </a:t>
+            </a:r>
+            <a:r>
+              <a:rPr lang="en-US" sz="2250" dirty="0" err="1">
+                <a:solidFill>
+                  <a:srgbClr val="FFFFFF"/>
+                </a:solidFill>
+                <a:latin typeface="Urbanist Medium"/>
+                <a:ea typeface="Urbanist Medium"/>
+                <a:cs typeface="Urbanist Medium"/>
+                <a:sym typeface="Urbanist Medium"/>
+              </a:rPr>
+              <a:t>im</a:t>
+            </a:r>
+            <a:r>
+              <a:rPr lang="en-US" sz="2250" dirty="0">
+                <a:solidFill>
+                  <a:srgbClr val="FFFFFF"/>
+                </a:solidFill>
+                <a:latin typeface="Urbanist Medium"/>
+                <a:ea typeface="Urbanist Medium"/>
+                <a:cs typeface="Urbanist Medium"/>
+                <a:sym typeface="Urbanist Medium"/>
+              </a:rPr>
+              <a:t> 1.Weltkrieg (1916) - https://en.wikipedia.org/wiki/Aerial_reconnaissance</a:t>
+            </a:r>
+          </a:p>
+        </p:txBody>
+      </p:sp>
+    </p:spTree>
+  </p:cSld>
+  <p:clrMapOvr>
+    <a:masterClrMapping/>
+  </p:clrMapOvr>
+</p:sld>
+</file>
+
+<file path=ppt/slides/slide9.xml><?xml version="1.0" encoding="utf-8"?>
+<p:sld xmlns:a="http://schemas.openxmlformats.org/drawingml/2006/main" xmlns:r="http://schemas.openxmlformats.org/officeDocument/2006/relationships" xmlns:p="http://schemas.openxmlformats.org/presentationml/2006/main">
+  <p:cSld>
+    <p:bg>
+      <p:bgPr>
+        <a:solidFill>
+          <a:srgbClr val="FFFFFF"/>
+        </a:solidFill>
+        <a:effectLst/>
+      </p:bgPr>
+    </p:bg>
+    <p:spTree>
+      <p:nvGrpSpPr>
         <p:cNvPr id="1" name="Shape 62"/>
         <p:cNvGrpSpPr/>
         <p:nvPr/>
@@ -22733,1289 +24010,6 @@
     <p:extLst>
       <p:ext uri="{BB962C8B-B14F-4D97-AF65-F5344CB8AC3E}">
         <p14:creationId xmlns:p14="http://schemas.microsoft.com/office/powerpoint/2010/main" val="2034537350"/>
-      </p:ext>
-    </p:extLst>
-  </p:cSld>
-  <p:clrMapOvr>
-    <a:masterClrMapping/>
-  </p:clrMapOvr>
-</p:sld>
-</file>
-
-<file path=ppt/slides/slide9.xml><?xml version="1.0" encoding="utf-8"?>
-<p:sld xmlns:a="http://schemas.openxmlformats.org/drawingml/2006/main" xmlns:r="http://schemas.openxmlformats.org/officeDocument/2006/relationships" xmlns:p="http://schemas.openxmlformats.org/presentationml/2006/main">
-  <p:cSld>
-    <p:bg>
-      <p:bgPr>
-        <a:solidFill>
-          <a:srgbClr val="FFFFFF"/>
-        </a:solidFill>
-        <a:effectLst/>
-      </p:bgPr>
-    </p:bg>
-    <p:spTree>
-      <p:nvGrpSpPr>
-        <p:cNvPr id="1" name="Shape 62"/>
-        <p:cNvGrpSpPr/>
-        <p:nvPr/>
-      </p:nvGrpSpPr>
-      <p:grpSpPr>
-        <a:xfrm>
-          <a:off x="0" y="0"/>
-          <a:ext cx="0" cy="0"/>
-          <a:chOff x="0" y="0"/>
-          <a:chExt cx="0" cy="0"/>
-        </a:xfrm>
-      </p:grpSpPr>
-      <p:pic>
-        <p:nvPicPr>
-          <p:cNvPr id="65" name="Google Shape;65;p5" descr="preencoded.png"/>
-          <p:cNvPicPr preferRelativeResize="0"/>
-          <p:nvPr/>
-        </p:nvPicPr>
-        <p:blipFill rotWithShape="1">
-          <a:blip r:embed="rId3">
-            <a:alphaModFix/>
-          </a:blip>
-          <a:srcRect/>
-          <a:stretch/>
-        </p:blipFill>
-        <p:spPr>
-          <a:xfrm>
-            <a:off x="0" y="952500"/>
-            <a:ext cx="7705725" cy="1428750"/>
-          </a:xfrm>
-          <a:prstGeom prst="rect">
-            <a:avLst/>
-          </a:prstGeom>
-          <a:noFill/>
-          <a:ln>
-            <a:noFill/>
-          </a:ln>
-        </p:spPr>
-      </p:pic>
-      <p:pic>
-        <p:nvPicPr>
-          <p:cNvPr id="67" name="Google Shape;67;p5" descr="preencoded.png"/>
-          <p:cNvPicPr preferRelativeResize="0"/>
-          <p:nvPr/>
-        </p:nvPicPr>
-        <p:blipFill rotWithShape="1">
-          <a:blip r:embed="rId4">
-            <a:alphaModFix/>
-          </a:blip>
-          <a:srcRect/>
-          <a:stretch/>
-        </p:blipFill>
-        <p:spPr>
-          <a:xfrm>
-            <a:off x="15430500" y="8469443"/>
-            <a:ext cx="2857500" cy="865056"/>
-          </a:xfrm>
-          <a:prstGeom prst="rect">
-            <a:avLst/>
-          </a:prstGeom>
-          <a:noFill/>
-          <a:ln>
-            <a:noFill/>
-          </a:ln>
-        </p:spPr>
-      </p:pic>
-      <p:sp>
-        <p:nvSpPr>
-          <p:cNvPr id="69" name="Google Shape;69;p5"/>
-          <p:cNvSpPr/>
-          <p:nvPr/>
-        </p:nvSpPr>
-        <p:spPr>
-          <a:xfrm>
-            <a:off x="15668625" y="8587646"/>
-            <a:ext cx="2381250" cy="628650"/>
-          </a:xfrm>
-          <a:prstGeom prst="rect">
-            <a:avLst/>
-          </a:prstGeom>
-          <a:noFill/>
-          <a:ln>
-            <a:noFill/>
-          </a:ln>
-        </p:spPr>
-        <p:txBody>
-          <a:bodyPr spcFirstLastPara="1" wrap="square" lIns="0" tIns="0" rIns="0" bIns="0" anchor="t" anchorCtr="0">
-            <a:noAutofit/>
-          </a:bodyPr>
-          <a:lstStyle/>
-          <a:p>
-            <a:pPr marL="0" marR="0" lvl="0" indent="0" rtl="0">
-              <a:lnSpc>
-                <a:spcPct val="117857"/>
-              </a:lnSpc>
-              <a:spcBef>
-                <a:spcPts val="0"/>
-              </a:spcBef>
-              <a:spcAft>
-                <a:spcPts val="0"/>
-              </a:spcAft>
-              <a:buClr>
-                <a:srgbClr val="FFFFFF"/>
-              </a:buClr>
-              <a:buSzPts val="2100"/>
-              <a:buFont typeface="Roboto Medium"/>
-              <a:buNone/>
-            </a:pPr>
-            <a:r>
-              <a:rPr lang="en-US" sz="1800" b="1" i="0" u="none" strike="noStrike" cap="none" dirty="0">
-                <a:solidFill>
-                  <a:srgbClr val="FFFFFF"/>
-                </a:solidFill>
-                <a:latin typeface="Roboto"/>
-                <a:ea typeface="Roboto"/>
-                <a:cs typeface="Roboto"/>
-                <a:sym typeface="Roboto"/>
-              </a:rPr>
-              <a:t>Abb. 2: NIR</a:t>
-            </a:r>
-            <a:endParaRPr sz="1800" b="1" i="0" u="none" strike="noStrike" cap="none" dirty="0">
-              <a:solidFill>
-                <a:schemeClr val="dk1"/>
-              </a:solidFill>
-              <a:latin typeface="Roboto"/>
-              <a:ea typeface="Roboto"/>
-              <a:cs typeface="Roboto"/>
-              <a:sym typeface="Roboto"/>
-            </a:endParaRPr>
-          </a:p>
-        </p:txBody>
-      </p:sp>
-      <p:sp>
-        <p:nvSpPr>
-          <p:cNvPr id="70" name="Google Shape;70;p5"/>
-          <p:cNvSpPr/>
-          <p:nvPr/>
-        </p:nvSpPr>
-        <p:spPr>
-          <a:xfrm>
-            <a:off x="1400175" y="3333750"/>
-            <a:ext cx="5810250" cy="600075"/>
-          </a:xfrm>
-          <a:prstGeom prst="rect">
-            <a:avLst/>
-          </a:prstGeom>
-          <a:noFill/>
-          <a:ln>
-            <a:noFill/>
-          </a:ln>
-        </p:spPr>
-        <p:txBody>
-          <a:bodyPr spcFirstLastPara="1" wrap="square" lIns="0" tIns="0" rIns="0" bIns="0" anchor="t" anchorCtr="0">
-            <a:noAutofit/>
-          </a:bodyPr>
-          <a:lstStyle/>
-          <a:p>
-            <a:pPr marL="0" marR="0" lvl="0" indent="0" algn="l" rtl="0">
-              <a:lnSpc>
-                <a:spcPct val="117499"/>
-              </a:lnSpc>
-              <a:spcBef>
-                <a:spcPts val="0"/>
-              </a:spcBef>
-              <a:spcAft>
-                <a:spcPts val="0"/>
-              </a:spcAft>
-              <a:buClr>
-                <a:srgbClr val="1E1E1E"/>
-              </a:buClr>
-              <a:buSzPts val="3000"/>
-              <a:buFont typeface="Urbanist Black"/>
-              <a:buNone/>
-            </a:pPr>
-            <a:r>
-              <a:rPr lang="en-US" sz="3000" b="0" i="0" u="none" strike="noStrike" cap="none" dirty="0" err="1">
-                <a:solidFill>
-                  <a:srgbClr val="1E1E1E"/>
-                </a:solidFill>
-                <a:latin typeface="Urbanist Black"/>
-                <a:ea typeface="Urbanist Black"/>
-                <a:cs typeface="Urbanist Black"/>
-                <a:sym typeface="Urbanist Black"/>
-              </a:rPr>
-              <a:t>Nahinf</a:t>
-            </a:r>
-            <a:r>
-              <a:rPr lang="en-US" sz="3000" dirty="0" err="1">
-                <a:solidFill>
-                  <a:srgbClr val="1E1E1E"/>
-                </a:solidFill>
-                <a:latin typeface="Urbanist Black"/>
-                <a:ea typeface="Urbanist Black"/>
-                <a:cs typeface="Urbanist Black"/>
-                <a:sym typeface="Urbanist Black"/>
-              </a:rPr>
-              <a:t>rarotaufnahmen</a:t>
-            </a:r>
-            <a:endParaRPr sz="3000" b="0" i="0" u="none" strike="noStrike" cap="none" dirty="0">
-              <a:solidFill>
-                <a:schemeClr val="dk1"/>
-              </a:solidFill>
-              <a:latin typeface="Calibri"/>
-              <a:ea typeface="Calibri"/>
-              <a:cs typeface="Calibri"/>
-              <a:sym typeface="Calibri"/>
-            </a:endParaRPr>
-          </a:p>
-        </p:txBody>
-      </p:sp>
-      <p:sp>
-        <p:nvSpPr>
-          <p:cNvPr id="71" name="Google Shape;71;p5"/>
-          <p:cNvSpPr/>
-          <p:nvPr/>
-        </p:nvSpPr>
-        <p:spPr>
-          <a:xfrm>
-            <a:off x="1400175" y="4133850"/>
-            <a:ext cx="8934450" cy="4695357"/>
-          </a:xfrm>
-          <a:prstGeom prst="rect">
-            <a:avLst/>
-          </a:prstGeom>
-          <a:noFill/>
-          <a:ln>
-            <a:noFill/>
-          </a:ln>
-        </p:spPr>
-        <p:txBody>
-          <a:bodyPr spcFirstLastPara="1" wrap="square" lIns="0" tIns="0" rIns="0" bIns="0" anchor="t" anchorCtr="0">
-            <a:noAutofit/>
-          </a:bodyPr>
-          <a:lstStyle/>
-          <a:p>
-            <a:pPr marL="0" marR="0" lvl="0" indent="0" algn="l" rtl="0">
-              <a:lnSpc>
-                <a:spcPct val="115625"/>
-              </a:lnSpc>
-              <a:spcBef>
-                <a:spcPts val="0"/>
-              </a:spcBef>
-              <a:spcAft>
-                <a:spcPts val="0"/>
-              </a:spcAft>
-              <a:buClr>
-                <a:srgbClr val="1E1E1E"/>
-              </a:buClr>
-              <a:buSzPts val="2400"/>
-              <a:buFont typeface="Urbanist Medium"/>
-              <a:buNone/>
-            </a:pPr>
-            <a:r>
-              <a:rPr lang="en-US" sz="2300" dirty="0" err="1">
-                <a:solidFill>
-                  <a:srgbClr val="1E1E1E"/>
-                </a:solidFill>
-                <a:latin typeface="Urbanist Medium"/>
-                <a:ea typeface="Urbanist Medium"/>
-                <a:cs typeface="Urbanist Medium"/>
-                <a:sym typeface="Urbanist Medium"/>
-              </a:rPr>
-              <a:t>Nahinfrarot</a:t>
-            </a:r>
-            <a:r>
-              <a:rPr lang="en-US" sz="2300" dirty="0">
-                <a:solidFill>
-                  <a:srgbClr val="1E1E1E"/>
-                </a:solidFill>
-                <a:latin typeface="Urbanist Medium"/>
-                <a:ea typeface="Urbanist Medium"/>
-                <a:cs typeface="Urbanist Medium"/>
-                <a:sym typeface="Urbanist Medium"/>
-              </a:rPr>
-              <a:t> (NIR) </a:t>
-            </a:r>
-            <a:r>
-              <a:rPr lang="en-US" sz="2300" dirty="0" err="1">
-                <a:solidFill>
-                  <a:srgbClr val="1E1E1E"/>
-                </a:solidFill>
-                <a:latin typeface="Urbanist Medium"/>
-                <a:ea typeface="Urbanist Medium"/>
-                <a:cs typeface="Urbanist Medium"/>
-                <a:sym typeface="Urbanist Medium"/>
-              </a:rPr>
-              <a:t>wurde</a:t>
-            </a:r>
-            <a:r>
-              <a:rPr lang="en-US" sz="2300" dirty="0">
-                <a:solidFill>
-                  <a:srgbClr val="1E1E1E"/>
-                </a:solidFill>
-                <a:latin typeface="Urbanist Medium"/>
-                <a:ea typeface="Urbanist Medium"/>
-                <a:cs typeface="Urbanist Medium"/>
-                <a:sym typeface="Urbanist Medium"/>
-              </a:rPr>
-              <a:t> </a:t>
-            </a:r>
-            <a:r>
-              <a:rPr lang="en-US" sz="2300" dirty="0" err="1">
-                <a:solidFill>
-                  <a:srgbClr val="1E1E1E"/>
-                </a:solidFill>
-                <a:latin typeface="Urbanist Medium"/>
-                <a:ea typeface="Urbanist Medium"/>
-                <a:cs typeface="Urbanist Medium"/>
-                <a:sym typeface="Urbanist Medium"/>
-              </a:rPr>
-              <a:t>erstmals</a:t>
-            </a:r>
-            <a:r>
-              <a:rPr lang="en-US" sz="2300" dirty="0">
-                <a:solidFill>
-                  <a:srgbClr val="1E1E1E"/>
-                </a:solidFill>
-                <a:latin typeface="Urbanist Medium"/>
-                <a:ea typeface="Urbanist Medium"/>
-                <a:cs typeface="Urbanist Medium"/>
-                <a:sym typeface="Urbanist Medium"/>
-              </a:rPr>
-              <a:t> 1910 für </a:t>
-            </a:r>
-            <a:r>
-              <a:rPr lang="en-US" sz="2300" dirty="0" err="1">
-                <a:solidFill>
-                  <a:srgbClr val="1E1E1E"/>
-                </a:solidFill>
-                <a:latin typeface="Urbanist Medium"/>
-                <a:ea typeface="Urbanist Medium"/>
-                <a:cs typeface="Urbanist Medium"/>
-                <a:sym typeface="Urbanist Medium"/>
-              </a:rPr>
-              <a:t>eine</a:t>
-            </a:r>
-            <a:r>
-              <a:rPr lang="en-US" sz="2300" dirty="0">
-                <a:solidFill>
-                  <a:srgbClr val="1E1E1E"/>
-                </a:solidFill>
-                <a:latin typeface="Urbanist Medium"/>
-                <a:ea typeface="Urbanist Medium"/>
-                <a:cs typeface="Urbanist Medium"/>
-                <a:sym typeface="Urbanist Medium"/>
-              </a:rPr>
-              <a:t> </a:t>
-            </a:r>
-            <a:r>
-              <a:rPr lang="en-US" sz="2300" dirty="0" err="1">
-                <a:solidFill>
-                  <a:srgbClr val="1E1E1E"/>
-                </a:solidFill>
-                <a:latin typeface="Urbanist Medium"/>
-                <a:ea typeface="Urbanist Medium"/>
-                <a:cs typeface="Urbanist Medium"/>
-                <a:sym typeface="Urbanist Medium"/>
-              </a:rPr>
-              <a:t>Fotoaufnahme</a:t>
-            </a:r>
-            <a:r>
-              <a:rPr lang="en-US" sz="2300" dirty="0">
-                <a:solidFill>
-                  <a:srgbClr val="1E1E1E"/>
-                </a:solidFill>
-                <a:latin typeface="Urbanist Medium"/>
-                <a:ea typeface="Urbanist Medium"/>
-                <a:cs typeface="Urbanist Medium"/>
-                <a:sym typeface="Urbanist Medium"/>
-              </a:rPr>
-              <a:t> </a:t>
-            </a:r>
-            <a:r>
-              <a:rPr lang="en-US" sz="2300" dirty="0" err="1">
-                <a:solidFill>
-                  <a:srgbClr val="1E1E1E"/>
-                </a:solidFill>
-                <a:latin typeface="Urbanist Medium"/>
-                <a:ea typeface="Urbanist Medium"/>
-                <a:cs typeface="Urbanist Medium"/>
-                <a:sym typeface="Urbanist Medium"/>
-              </a:rPr>
-              <a:t>verwendet</a:t>
-            </a:r>
-            <a:r>
-              <a:rPr lang="en-US" sz="2300" dirty="0">
-                <a:solidFill>
-                  <a:srgbClr val="1E1E1E"/>
-                </a:solidFill>
-                <a:latin typeface="Urbanist Medium"/>
-                <a:ea typeface="Urbanist Medium"/>
-                <a:cs typeface="Urbanist Medium"/>
-                <a:sym typeface="Urbanist Medium"/>
-              </a:rPr>
-              <a:t>. I</a:t>
-            </a:r>
-            <a:r>
-              <a:rPr lang="en-US" sz="2300" b="0" i="0" u="none" strike="noStrike" cap="none" dirty="0">
-                <a:solidFill>
-                  <a:srgbClr val="1E1E1E"/>
-                </a:solidFill>
-                <a:latin typeface="Urbanist Medium"/>
-                <a:ea typeface="Urbanist Medium"/>
-                <a:cs typeface="Urbanist Medium"/>
-                <a:sym typeface="Urbanist Medium"/>
-              </a:rPr>
-              <a:t>n der </a:t>
-            </a:r>
-            <a:r>
-              <a:rPr lang="en-US" sz="2300" b="0" i="0" u="none" strike="noStrike" cap="none" dirty="0" err="1">
-                <a:solidFill>
-                  <a:srgbClr val="1E1E1E"/>
-                </a:solidFill>
-                <a:latin typeface="Urbanist Medium"/>
-                <a:ea typeface="Urbanist Medium"/>
-                <a:cs typeface="Urbanist Medium"/>
-                <a:sym typeface="Urbanist Medium"/>
-              </a:rPr>
-              <a:t>Fernerkundung</a:t>
-            </a:r>
-            <a:r>
-              <a:rPr lang="en-US" sz="2300" b="0" i="0" u="none" strike="noStrike" cap="none" dirty="0">
-                <a:solidFill>
-                  <a:srgbClr val="1E1E1E"/>
-                </a:solidFill>
-                <a:latin typeface="Urbanist Medium"/>
-                <a:ea typeface="Urbanist Medium"/>
-                <a:cs typeface="Urbanist Medium"/>
-                <a:sym typeface="Urbanist Medium"/>
-              </a:rPr>
-              <a:t> </a:t>
-            </a:r>
-            <a:r>
-              <a:rPr lang="en-US" sz="2300" b="0" i="0" u="none" strike="noStrike" cap="none" dirty="0" err="1">
-                <a:solidFill>
-                  <a:srgbClr val="1E1E1E"/>
-                </a:solidFill>
-                <a:latin typeface="Urbanist Medium"/>
-                <a:ea typeface="Urbanist Medium"/>
-                <a:cs typeface="Urbanist Medium"/>
-                <a:sym typeface="Urbanist Medium"/>
-              </a:rPr>
-              <a:t>wurde</a:t>
-            </a:r>
-            <a:r>
-              <a:rPr lang="en-US" sz="2300" b="0" i="0" u="none" strike="noStrike" cap="none" dirty="0">
-                <a:solidFill>
-                  <a:srgbClr val="1E1E1E"/>
-                </a:solidFill>
-                <a:latin typeface="Urbanist Medium"/>
-                <a:ea typeface="Urbanist Medium"/>
-                <a:cs typeface="Urbanist Medium"/>
-                <a:sym typeface="Urbanist Medium"/>
-              </a:rPr>
-              <a:t> NIR </a:t>
-            </a:r>
-            <a:r>
-              <a:rPr lang="en-US" sz="2300" dirty="0">
-                <a:solidFill>
-                  <a:srgbClr val="1E1E1E"/>
-                </a:solidFill>
-                <a:latin typeface="Urbanist Medium"/>
-                <a:ea typeface="Urbanist Medium"/>
-                <a:cs typeface="Urbanist Medium"/>
-                <a:sym typeface="Urbanist Medium"/>
-              </a:rPr>
-              <a:t>ab den 1950ern </a:t>
-            </a:r>
-            <a:r>
-              <a:rPr lang="en-US" sz="2300" dirty="0" err="1">
-                <a:solidFill>
-                  <a:srgbClr val="1E1E1E"/>
-                </a:solidFill>
-                <a:latin typeface="Urbanist Medium"/>
-                <a:ea typeface="Urbanist Medium"/>
-                <a:cs typeface="Urbanist Medium"/>
-                <a:sym typeface="Urbanist Medium"/>
-              </a:rPr>
-              <a:t>eingesetzt</a:t>
-            </a:r>
-            <a:r>
-              <a:rPr lang="en-US" sz="2300" dirty="0">
-                <a:solidFill>
-                  <a:srgbClr val="1E1E1E"/>
-                </a:solidFill>
-                <a:latin typeface="Urbanist Medium"/>
-                <a:ea typeface="Urbanist Medium"/>
-                <a:cs typeface="Urbanist Medium"/>
-                <a:sym typeface="Urbanist Medium"/>
-              </a:rPr>
-              <a:t>.</a:t>
-            </a:r>
-          </a:p>
-          <a:p>
-            <a:pPr marL="0" marR="0" lvl="0" indent="0" algn="l" rtl="0">
-              <a:lnSpc>
-                <a:spcPct val="115625"/>
-              </a:lnSpc>
-              <a:spcBef>
-                <a:spcPts val="0"/>
-              </a:spcBef>
-              <a:spcAft>
-                <a:spcPts val="0"/>
-              </a:spcAft>
-              <a:buClr>
-                <a:srgbClr val="1E1E1E"/>
-              </a:buClr>
-              <a:buSzPts val="2400"/>
-              <a:buFont typeface="Urbanist Medium"/>
-              <a:buNone/>
-            </a:pPr>
-            <a:endParaRPr lang="en-US" sz="2300" b="0" i="0" u="none" strike="noStrike" cap="none" dirty="0">
-              <a:solidFill>
-                <a:srgbClr val="1E1E1E"/>
-              </a:solidFill>
-              <a:latin typeface="Urbanist Medium"/>
-              <a:ea typeface="Urbanist Medium"/>
-              <a:cs typeface="Urbanist Medium"/>
-              <a:sym typeface="Urbanist Medium"/>
-            </a:endParaRPr>
-          </a:p>
-          <a:p>
-            <a:pPr marL="0" marR="0" lvl="0" indent="0" algn="l" rtl="0">
-              <a:lnSpc>
-                <a:spcPct val="115625"/>
-              </a:lnSpc>
-              <a:spcBef>
-                <a:spcPts val="0"/>
-              </a:spcBef>
-              <a:spcAft>
-                <a:spcPts val="0"/>
-              </a:spcAft>
-              <a:buClr>
-                <a:srgbClr val="1E1E1E"/>
-              </a:buClr>
-              <a:buSzPts val="2400"/>
-              <a:buFont typeface="Urbanist Medium"/>
-              <a:buNone/>
-            </a:pPr>
-            <a:r>
-              <a:rPr lang="en-US" sz="2300" dirty="0" err="1">
-                <a:solidFill>
-                  <a:srgbClr val="1E1E1E"/>
-                </a:solidFill>
-                <a:latin typeface="Urbanist Medium"/>
-                <a:ea typeface="Urbanist Medium"/>
-                <a:cs typeface="Urbanist Medium"/>
-                <a:sym typeface="Urbanist Medium"/>
-              </a:rPr>
-              <a:t>Im</a:t>
-            </a:r>
-            <a:r>
-              <a:rPr lang="en-US" sz="2300" dirty="0">
-                <a:solidFill>
-                  <a:srgbClr val="1E1E1E"/>
-                </a:solidFill>
-                <a:latin typeface="Urbanist Medium"/>
-                <a:ea typeface="Urbanist Medium"/>
-                <a:cs typeface="Urbanist Medium"/>
-                <a:sym typeface="Urbanist Medium"/>
-              </a:rPr>
-              <a:t> Korea-Krieg </a:t>
-            </a:r>
-            <a:r>
-              <a:rPr lang="en-US" sz="2300" dirty="0" err="1">
-                <a:solidFill>
-                  <a:srgbClr val="1E1E1E"/>
-                </a:solidFill>
-                <a:latin typeface="Urbanist Medium"/>
-                <a:ea typeface="Urbanist Medium"/>
-                <a:cs typeface="Urbanist Medium"/>
-                <a:sym typeface="Urbanist Medium"/>
-              </a:rPr>
-              <a:t>wurden</a:t>
-            </a:r>
-            <a:r>
-              <a:rPr lang="en-US" sz="2300" dirty="0">
-                <a:solidFill>
-                  <a:srgbClr val="1E1E1E"/>
-                </a:solidFill>
-                <a:latin typeface="Urbanist Medium"/>
-                <a:ea typeface="Urbanist Medium"/>
-                <a:cs typeface="Urbanist Medium"/>
-                <a:sym typeface="Urbanist Medium"/>
-              </a:rPr>
-              <a:t> ab 1951 Menschen und Panzer </a:t>
-            </a:r>
-            <a:r>
-              <a:rPr lang="en-US" sz="2300" dirty="0" err="1">
-                <a:solidFill>
-                  <a:srgbClr val="1E1E1E"/>
-                </a:solidFill>
-                <a:latin typeface="Urbanist Medium"/>
-                <a:ea typeface="Urbanist Medium"/>
-                <a:cs typeface="Urbanist Medium"/>
-                <a:sym typeface="Urbanist Medium"/>
-              </a:rPr>
-              <a:t>mit</a:t>
-            </a:r>
-            <a:r>
-              <a:rPr lang="en-US" sz="2300" dirty="0">
-                <a:solidFill>
-                  <a:srgbClr val="1E1E1E"/>
-                </a:solidFill>
-                <a:latin typeface="Urbanist Medium"/>
-                <a:ea typeface="Urbanist Medium"/>
-                <a:cs typeface="Urbanist Medium"/>
-                <a:sym typeface="Urbanist Medium"/>
-              </a:rPr>
-              <a:t> NIR </a:t>
-            </a:r>
-            <a:r>
-              <a:rPr lang="en-US" sz="2300" dirty="0" err="1">
-                <a:solidFill>
-                  <a:srgbClr val="1E1E1E"/>
-                </a:solidFill>
-                <a:latin typeface="Urbanist Medium"/>
-                <a:ea typeface="Urbanist Medium"/>
-                <a:cs typeface="Urbanist Medium"/>
-                <a:sym typeface="Urbanist Medium"/>
-              </a:rPr>
-              <a:t>detektiert</a:t>
-            </a:r>
-            <a:r>
-              <a:rPr lang="en-US" sz="2300" dirty="0">
-                <a:solidFill>
-                  <a:srgbClr val="1E1E1E"/>
-                </a:solidFill>
-                <a:latin typeface="Urbanist Medium"/>
-                <a:ea typeface="Urbanist Medium"/>
-                <a:cs typeface="Urbanist Medium"/>
-                <a:sym typeface="Urbanist Medium"/>
-              </a:rPr>
-              <a:t>, da </a:t>
-            </a:r>
-            <a:r>
-              <a:rPr lang="en-US" sz="2300" dirty="0" err="1">
-                <a:solidFill>
-                  <a:srgbClr val="1E1E1E"/>
-                </a:solidFill>
-                <a:latin typeface="Urbanist Medium"/>
-                <a:ea typeface="Urbanist Medium"/>
-                <a:cs typeface="Urbanist Medium"/>
-                <a:sym typeface="Urbanist Medium"/>
-              </a:rPr>
-              <a:t>diese</a:t>
-            </a:r>
-            <a:r>
-              <a:rPr lang="en-US" sz="2300" dirty="0">
-                <a:solidFill>
-                  <a:srgbClr val="1E1E1E"/>
-                </a:solidFill>
-                <a:latin typeface="Urbanist Medium"/>
-                <a:ea typeface="Urbanist Medium"/>
-                <a:cs typeface="Urbanist Medium"/>
-                <a:sym typeface="Urbanist Medium"/>
-              </a:rPr>
-              <a:t> </a:t>
-            </a:r>
-            <a:r>
-              <a:rPr lang="en-US" sz="2300" dirty="0" err="1">
-                <a:solidFill>
-                  <a:srgbClr val="1E1E1E"/>
-                </a:solidFill>
-                <a:latin typeface="Urbanist Medium"/>
-                <a:ea typeface="Urbanist Medium"/>
-                <a:cs typeface="Urbanist Medium"/>
-                <a:sym typeface="Urbanist Medium"/>
-              </a:rPr>
-              <a:t>Aufnahmen</a:t>
-            </a:r>
-            <a:r>
-              <a:rPr lang="en-US" sz="2300" dirty="0">
-                <a:solidFill>
-                  <a:srgbClr val="1E1E1E"/>
-                </a:solidFill>
-                <a:latin typeface="Urbanist Medium"/>
-                <a:ea typeface="Urbanist Medium"/>
-                <a:cs typeface="Urbanist Medium"/>
-                <a:sym typeface="Urbanist Medium"/>
-              </a:rPr>
-              <a:t> </a:t>
-            </a:r>
-            <a:r>
-              <a:rPr lang="en-US" sz="2300" dirty="0" err="1">
-                <a:solidFill>
-                  <a:srgbClr val="1E1E1E"/>
-                </a:solidFill>
-                <a:latin typeface="Urbanist Medium"/>
-                <a:ea typeface="Urbanist Medium"/>
-                <a:cs typeface="Urbanist Medium"/>
-                <a:sym typeface="Urbanist Medium"/>
-              </a:rPr>
-              <a:t>durch</a:t>
-            </a:r>
-            <a:r>
-              <a:rPr lang="en-US" sz="2300" dirty="0">
-                <a:solidFill>
-                  <a:srgbClr val="1E1E1E"/>
-                </a:solidFill>
-                <a:latin typeface="Urbanist Medium"/>
-                <a:ea typeface="Urbanist Medium"/>
-                <a:cs typeface="Urbanist Medium"/>
-                <a:sym typeface="Urbanist Medium"/>
-              </a:rPr>
-              <a:t> Dunst und </a:t>
-            </a:r>
-            <a:r>
-              <a:rPr lang="en-US" sz="2300" dirty="0" err="1">
-                <a:solidFill>
-                  <a:srgbClr val="1E1E1E"/>
-                </a:solidFill>
-                <a:latin typeface="Urbanist Medium"/>
-                <a:ea typeface="Urbanist Medium"/>
-                <a:cs typeface="Urbanist Medium"/>
-                <a:sym typeface="Urbanist Medium"/>
-              </a:rPr>
-              <a:t>Nebel</a:t>
-            </a:r>
-            <a:r>
-              <a:rPr lang="en-US" sz="2300" dirty="0">
-                <a:solidFill>
-                  <a:srgbClr val="1E1E1E"/>
-                </a:solidFill>
-                <a:latin typeface="Urbanist Medium"/>
-                <a:ea typeface="Urbanist Medium"/>
-                <a:cs typeface="Urbanist Medium"/>
-                <a:sym typeface="Urbanist Medium"/>
-              </a:rPr>
-              <a:t> </a:t>
-            </a:r>
-            <a:r>
-              <a:rPr lang="en-US" sz="2300" dirty="0" err="1">
-                <a:solidFill>
-                  <a:srgbClr val="1E1E1E"/>
-                </a:solidFill>
-                <a:latin typeface="Urbanist Medium"/>
-                <a:ea typeface="Urbanist Medium"/>
-                <a:cs typeface="Urbanist Medium"/>
-                <a:sym typeface="Urbanist Medium"/>
-              </a:rPr>
-              <a:t>eine</a:t>
-            </a:r>
-            <a:r>
-              <a:rPr lang="en-US" sz="2300" dirty="0">
-                <a:solidFill>
-                  <a:srgbClr val="1E1E1E"/>
-                </a:solidFill>
-                <a:latin typeface="Urbanist Medium"/>
-                <a:ea typeface="Urbanist Medium"/>
-                <a:cs typeface="Urbanist Medium"/>
-                <a:sym typeface="Urbanist Medium"/>
-              </a:rPr>
-              <a:t> </a:t>
-            </a:r>
-            <a:r>
-              <a:rPr lang="en-US" sz="2300" dirty="0" err="1">
-                <a:solidFill>
-                  <a:srgbClr val="1E1E1E"/>
-                </a:solidFill>
-                <a:latin typeface="Urbanist Medium"/>
-                <a:ea typeface="Urbanist Medium"/>
-                <a:cs typeface="Urbanist Medium"/>
-                <a:sym typeface="Urbanist Medium"/>
-              </a:rPr>
-              <a:t>klarere</a:t>
-            </a:r>
-            <a:r>
-              <a:rPr lang="en-US" sz="2300" dirty="0">
-                <a:solidFill>
-                  <a:srgbClr val="1E1E1E"/>
-                </a:solidFill>
-                <a:latin typeface="Urbanist Medium"/>
-                <a:ea typeface="Urbanist Medium"/>
-                <a:cs typeface="Urbanist Medium"/>
-                <a:sym typeface="Urbanist Medium"/>
-              </a:rPr>
-              <a:t> Sicht auf den </a:t>
-            </a:r>
-            <a:r>
-              <a:rPr lang="en-US" sz="2300" dirty="0" err="1">
-                <a:solidFill>
-                  <a:srgbClr val="1E1E1E"/>
-                </a:solidFill>
-                <a:latin typeface="Urbanist Medium"/>
-                <a:ea typeface="Urbanist Medium"/>
-                <a:cs typeface="Urbanist Medium"/>
-                <a:sym typeface="Urbanist Medium"/>
-              </a:rPr>
-              <a:t>Bildern</a:t>
-            </a:r>
-            <a:r>
-              <a:rPr lang="en-US" sz="2300" dirty="0">
-                <a:solidFill>
-                  <a:srgbClr val="1E1E1E"/>
-                </a:solidFill>
-                <a:latin typeface="Urbanist Medium"/>
-                <a:ea typeface="Urbanist Medium"/>
-                <a:cs typeface="Urbanist Medium"/>
-                <a:sym typeface="Urbanist Medium"/>
-              </a:rPr>
-              <a:t> </a:t>
-            </a:r>
-            <a:r>
-              <a:rPr lang="en-US" sz="2300" dirty="0" err="1">
-                <a:solidFill>
-                  <a:srgbClr val="1E1E1E"/>
-                </a:solidFill>
-                <a:latin typeface="Urbanist Medium"/>
-                <a:ea typeface="Urbanist Medium"/>
-                <a:cs typeface="Urbanist Medium"/>
-                <a:sym typeface="Urbanist Medium"/>
-              </a:rPr>
-              <a:t>hergab</a:t>
-            </a:r>
-            <a:r>
-              <a:rPr lang="en-US" sz="2300" dirty="0">
-                <a:solidFill>
-                  <a:srgbClr val="1E1E1E"/>
-                </a:solidFill>
-                <a:latin typeface="Urbanist Medium"/>
-                <a:ea typeface="Urbanist Medium"/>
-                <a:cs typeface="Urbanist Medium"/>
-                <a:sym typeface="Urbanist Medium"/>
-              </a:rPr>
-              <a:t>.</a:t>
-            </a:r>
-          </a:p>
-          <a:p>
-            <a:pPr marL="0" marR="0" lvl="0" indent="0" algn="l" rtl="0">
-              <a:lnSpc>
-                <a:spcPct val="115625"/>
-              </a:lnSpc>
-              <a:spcBef>
-                <a:spcPts val="0"/>
-              </a:spcBef>
-              <a:spcAft>
-                <a:spcPts val="0"/>
-              </a:spcAft>
-              <a:buClr>
-                <a:srgbClr val="1E1E1E"/>
-              </a:buClr>
-              <a:buSzPts val="2400"/>
-              <a:buFont typeface="Urbanist Medium"/>
-              <a:buNone/>
-            </a:pPr>
-            <a:endParaRPr lang="en-US" sz="2300" dirty="0">
-              <a:solidFill>
-                <a:srgbClr val="1E1E1E"/>
-              </a:solidFill>
-              <a:latin typeface="Urbanist Medium"/>
-              <a:ea typeface="Urbanist Medium"/>
-              <a:cs typeface="Urbanist Medium"/>
-              <a:sym typeface="Urbanist Medium"/>
-            </a:endParaRPr>
-          </a:p>
-          <a:p>
-            <a:pPr marL="0" marR="0" lvl="0" indent="0" algn="l" rtl="0">
-              <a:lnSpc>
-                <a:spcPct val="115625"/>
-              </a:lnSpc>
-              <a:spcBef>
-                <a:spcPts val="0"/>
-              </a:spcBef>
-              <a:spcAft>
-                <a:spcPts val="0"/>
-              </a:spcAft>
-              <a:buClr>
-                <a:srgbClr val="1E1E1E"/>
-              </a:buClr>
-              <a:buSzPts val="2400"/>
-              <a:buFont typeface="Urbanist Medium"/>
-              <a:buNone/>
-            </a:pPr>
-            <a:r>
-              <a:rPr lang="en-US" sz="2300" dirty="0">
-                <a:solidFill>
-                  <a:srgbClr val="1E1E1E"/>
-                </a:solidFill>
-                <a:latin typeface="Urbanist Medium"/>
-                <a:ea typeface="Urbanist Medium"/>
-                <a:cs typeface="Urbanist Medium"/>
-                <a:sym typeface="Urbanist Medium"/>
-              </a:rPr>
-              <a:t>Ab Mitte der 1950er Jahren </a:t>
-            </a:r>
-            <a:r>
-              <a:rPr lang="en-US" sz="2300" dirty="0" err="1">
-                <a:solidFill>
-                  <a:srgbClr val="1E1E1E"/>
-                </a:solidFill>
-                <a:latin typeface="Urbanist Medium"/>
-                <a:ea typeface="Urbanist Medium"/>
-                <a:cs typeface="Urbanist Medium"/>
-                <a:sym typeface="Urbanist Medium"/>
-              </a:rPr>
-              <a:t>wurde</a:t>
-            </a:r>
-            <a:r>
-              <a:rPr lang="en-US" sz="2300" dirty="0">
-                <a:solidFill>
-                  <a:srgbClr val="1E1E1E"/>
-                </a:solidFill>
-                <a:latin typeface="Urbanist Medium"/>
-                <a:ea typeface="Urbanist Medium"/>
-                <a:cs typeface="Urbanist Medium"/>
-                <a:sym typeface="Urbanist Medium"/>
-              </a:rPr>
-              <a:t> NIR </a:t>
-            </a:r>
-            <a:r>
-              <a:rPr lang="en-US" sz="2300" dirty="0" err="1">
-                <a:solidFill>
-                  <a:srgbClr val="1E1E1E"/>
-                </a:solidFill>
-                <a:latin typeface="Urbanist Medium"/>
-                <a:ea typeface="Urbanist Medium"/>
-                <a:cs typeface="Urbanist Medium"/>
-                <a:sym typeface="Urbanist Medium"/>
-              </a:rPr>
-              <a:t>zur</a:t>
-            </a:r>
-            <a:r>
-              <a:rPr lang="en-US" sz="2300" dirty="0">
-                <a:solidFill>
-                  <a:srgbClr val="1E1E1E"/>
-                </a:solidFill>
-                <a:latin typeface="Urbanist Medium"/>
-                <a:ea typeface="Urbanist Medium"/>
-                <a:cs typeface="Urbanist Medium"/>
-                <a:sym typeface="Urbanist Medium"/>
-              </a:rPr>
-              <a:t> Plant Disease Detection </a:t>
-            </a:r>
-            <a:r>
-              <a:rPr lang="en-US" sz="2300" dirty="0" err="1">
-                <a:solidFill>
-                  <a:srgbClr val="1E1E1E"/>
-                </a:solidFill>
-                <a:latin typeface="Urbanist Medium"/>
-                <a:ea typeface="Urbanist Medium"/>
-                <a:cs typeface="Urbanist Medium"/>
-                <a:sym typeface="Urbanist Medium"/>
-              </a:rPr>
-              <a:t>eingesetzt</a:t>
-            </a:r>
-            <a:r>
-              <a:rPr lang="en-US" sz="2300" dirty="0">
-                <a:solidFill>
-                  <a:srgbClr val="1E1E1E"/>
-                </a:solidFill>
-                <a:latin typeface="Urbanist Medium"/>
-                <a:ea typeface="Urbanist Medium"/>
-                <a:cs typeface="Urbanist Medium"/>
-                <a:sym typeface="Urbanist Medium"/>
-              </a:rPr>
-              <a:t>, um </a:t>
-            </a:r>
-            <a:r>
-              <a:rPr lang="en-US" sz="2300" dirty="0" err="1">
-                <a:solidFill>
-                  <a:srgbClr val="1E1E1E"/>
-                </a:solidFill>
-                <a:latin typeface="Urbanist Medium"/>
-                <a:ea typeface="Urbanist Medium"/>
-                <a:cs typeface="Urbanist Medium"/>
-                <a:sym typeface="Urbanist Medium"/>
-              </a:rPr>
-              <a:t>aus</a:t>
-            </a:r>
-            <a:r>
-              <a:rPr lang="en-US" sz="2300" dirty="0">
-                <a:solidFill>
-                  <a:srgbClr val="1E1E1E"/>
-                </a:solidFill>
-                <a:latin typeface="Urbanist Medium"/>
-                <a:ea typeface="Urbanist Medium"/>
-                <a:cs typeface="Urbanist Medium"/>
-                <a:sym typeface="Urbanist Medium"/>
-              </a:rPr>
-              <a:t> der Luft in </a:t>
-            </a:r>
-            <a:r>
-              <a:rPr lang="en-US" sz="2300" dirty="0" err="1">
-                <a:solidFill>
-                  <a:srgbClr val="1E1E1E"/>
-                </a:solidFill>
-                <a:latin typeface="Urbanist Medium"/>
-                <a:ea typeface="Urbanist Medium"/>
-                <a:cs typeface="Urbanist Medium"/>
-                <a:sym typeface="Urbanist Medium"/>
-              </a:rPr>
-              <a:t>großen</a:t>
-            </a:r>
-            <a:r>
-              <a:rPr lang="en-US" sz="2300" dirty="0">
-                <a:solidFill>
-                  <a:srgbClr val="1E1E1E"/>
-                </a:solidFill>
-                <a:latin typeface="Urbanist Medium"/>
-                <a:ea typeface="Urbanist Medium"/>
-                <a:cs typeface="Urbanist Medium"/>
-                <a:sym typeface="Urbanist Medium"/>
-              </a:rPr>
-              <a:t> </a:t>
-            </a:r>
-            <a:r>
-              <a:rPr lang="en-US" sz="2300" dirty="0" err="1">
-                <a:solidFill>
-                  <a:srgbClr val="1E1E1E"/>
-                </a:solidFill>
-                <a:latin typeface="Urbanist Medium"/>
-                <a:ea typeface="Urbanist Medium"/>
-                <a:cs typeface="Urbanist Medium"/>
-                <a:sym typeface="Urbanist Medium"/>
-              </a:rPr>
-              <a:t>Waldgebieten</a:t>
-            </a:r>
-            <a:r>
-              <a:rPr lang="en-US" sz="2300" dirty="0">
-                <a:solidFill>
-                  <a:srgbClr val="1E1E1E"/>
-                </a:solidFill>
-                <a:latin typeface="Urbanist Medium"/>
-                <a:ea typeface="Urbanist Medium"/>
-                <a:cs typeface="Urbanist Medium"/>
-                <a:sym typeface="Urbanist Medium"/>
-              </a:rPr>
-              <a:t> tote </a:t>
-            </a:r>
-            <a:r>
-              <a:rPr lang="en-US" sz="2300" dirty="0" err="1">
-                <a:solidFill>
-                  <a:srgbClr val="1E1E1E"/>
-                </a:solidFill>
-                <a:latin typeface="Urbanist Medium"/>
-                <a:ea typeface="Urbanist Medium"/>
-                <a:cs typeface="Urbanist Medium"/>
-                <a:sym typeface="Urbanist Medium"/>
-              </a:rPr>
-              <a:t>Bäume</a:t>
-            </a:r>
-            <a:r>
-              <a:rPr lang="en-US" sz="2300" dirty="0">
-                <a:solidFill>
-                  <a:srgbClr val="1E1E1E"/>
-                </a:solidFill>
-                <a:latin typeface="Urbanist Medium"/>
-                <a:ea typeface="Urbanist Medium"/>
-                <a:cs typeface="Urbanist Medium"/>
-                <a:sym typeface="Urbanist Medium"/>
-              </a:rPr>
-              <a:t> schnell </a:t>
-            </a:r>
-            <a:r>
-              <a:rPr lang="en-US" sz="2300" dirty="0" err="1">
-                <a:solidFill>
-                  <a:srgbClr val="1E1E1E"/>
-                </a:solidFill>
-                <a:latin typeface="Urbanist Medium"/>
-                <a:ea typeface="Urbanist Medium"/>
-                <a:cs typeface="Urbanist Medium"/>
-                <a:sym typeface="Urbanist Medium"/>
-              </a:rPr>
-              <a:t>zu</a:t>
-            </a:r>
-            <a:r>
-              <a:rPr lang="en-US" sz="2300" dirty="0">
-                <a:solidFill>
-                  <a:srgbClr val="1E1E1E"/>
-                </a:solidFill>
-                <a:latin typeface="Urbanist Medium"/>
-                <a:ea typeface="Urbanist Medium"/>
-                <a:cs typeface="Urbanist Medium"/>
-                <a:sym typeface="Urbanist Medium"/>
-              </a:rPr>
-              <a:t> </a:t>
-            </a:r>
-            <a:r>
-              <a:rPr lang="en-US" sz="2300" dirty="0" err="1">
-                <a:solidFill>
-                  <a:srgbClr val="1E1E1E"/>
-                </a:solidFill>
-                <a:latin typeface="Urbanist Medium"/>
-                <a:ea typeface="Urbanist Medium"/>
-                <a:cs typeface="Urbanist Medium"/>
-                <a:sym typeface="Urbanist Medium"/>
-              </a:rPr>
-              <a:t>erkennen</a:t>
-            </a:r>
-            <a:r>
-              <a:rPr lang="en-US" sz="2300" dirty="0">
-                <a:solidFill>
-                  <a:srgbClr val="1E1E1E"/>
-                </a:solidFill>
-                <a:latin typeface="Urbanist Medium"/>
-                <a:ea typeface="Urbanist Medium"/>
-                <a:cs typeface="Urbanist Medium"/>
-                <a:sym typeface="Urbanist Medium"/>
-              </a:rPr>
-              <a:t>.</a:t>
-            </a:r>
-          </a:p>
-          <a:p>
-            <a:pPr marL="0" marR="0" lvl="0" indent="0" algn="l" rtl="0">
-              <a:lnSpc>
-                <a:spcPct val="115625"/>
-              </a:lnSpc>
-              <a:spcBef>
-                <a:spcPts val="0"/>
-              </a:spcBef>
-              <a:spcAft>
-                <a:spcPts val="0"/>
-              </a:spcAft>
-              <a:buClr>
-                <a:srgbClr val="1E1E1E"/>
-              </a:buClr>
-              <a:buSzPts val="2400"/>
-              <a:buFont typeface="Urbanist Medium"/>
-              <a:buNone/>
-            </a:pPr>
-            <a:endParaRPr lang="en-US" sz="2300" b="0" i="0" u="none" strike="noStrike" cap="none" dirty="0">
-              <a:solidFill>
-                <a:srgbClr val="1E1E1E"/>
-              </a:solidFill>
-              <a:latin typeface="Urbanist Medium"/>
-              <a:ea typeface="Urbanist Medium"/>
-              <a:cs typeface="Urbanist Medium"/>
-              <a:sym typeface="Urbanist Medium"/>
-            </a:endParaRPr>
-          </a:p>
-          <a:p>
-            <a:pPr marL="0" marR="0" lvl="0" indent="0" algn="l" rtl="0">
-              <a:lnSpc>
-                <a:spcPct val="115625"/>
-              </a:lnSpc>
-              <a:spcBef>
-                <a:spcPts val="0"/>
-              </a:spcBef>
-              <a:spcAft>
-                <a:spcPts val="0"/>
-              </a:spcAft>
-              <a:buClr>
-                <a:srgbClr val="1E1E1E"/>
-              </a:buClr>
-              <a:buSzPts val="2400"/>
-              <a:buFont typeface="Urbanist Medium"/>
-              <a:buNone/>
-            </a:pPr>
-            <a:endParaRPr lang="en-US" sz="2300" b="0" i="0" u="none" strike="noStrike" cap="none" dirty="0">
-              <a:solidFill>
-                <a:srgbClr val="1E1E1E"/>
-              </a:solidFill>
-              <a:latin typeface="Urbanist Medium"/>
-              <a:ea typeface="Urbanist Medium"/>
-              <a:cs typeface="Urbanist Medium"/>
-              <a:sym typeface="Urbanist Medium"/>
-            </a:endParaRPr>
-          </a:p>
-        </p:txBody>
-      </p:sp>
-      <p:sp>
-        <p:nvSpPr>
-          <p:cNvPr id="72" name="Google Shape;72;p5"/>
-          <p:cNvSpPr/>
-          <p:nvPr/>
-        </p:nvSpPr>
-        <p:spPr>
-          <a:xfrm>
-            <a:off x="1400175" y="1276350"/>
-            <a:ext cx="5743575" cy="800100"/>
-          </a:xfrm>
-          <a:prstGeom prst="rect">
-            <a:avLst/>
-          </a:prstGeom>
-          <a:noFill/>
-          <a:ln>
-            <a:noFill/>
-          </a:ln>
-        </p:spPr>
-        <p:txBody>
-          <a:bodyPr spcFirstLastPara="1" wrap="square" lIns="0" tIns="0" rIns="0" bIns="0" anchor="t" anchorCtr="0">
-            <a:noAutofit/>
-          </a:bodyPr>
-          <a:lstStyle/>
-          <a:p>
-            <a:pPr marL="0" marR="0" lvl="0" indent="0" rtl="0">
-              <a:lnSpc>
-                <a:spcPct val="116666"/>
-              </a:lnSpc>
-              <a:spcBef>
-                <a:spcPts val="0"/>
-              </a:spcBef>
-              <a:spcAft>
-                <a:spcPts val="0"/>
-              </a:spcAft>
-              <a:buClr>
-                <a:srgbClr val="FFFFFF"/>
-              </a:buClr>
-              <a:buSzPts val="5400"/>
-              <a:buFont typeface="Roboto"/>
-              <a:buNone/>
-            </a:pPr>
-            <a:r>
-              <a:rPr lang="en-US" sz="5400" b="1" i="0" u="none" strike="noStrike" cap="none" dirty="0" err="1">
-                <a:solidFill>
-                  <a:srgbClr val="FFFFFF"/>
-                </a:solidFill>
-                <a:latin typeface="Roboto"/>
-                <a:ea typeface="Roboto"/>
-                <a:cs typeface="Roboto"/>
-                <a:sym typeface="Roboto"/>
-              </a:rPr>
-              <a:t>Meilensteine</a:t>
-            </a:r>
-            <a:endParaRPr sz="5400" b="1" i="0" u="none" strike="noStrike" cap="none" dirty="0">
-              <a:solidFill>
-                <a:schemeClr val="dk1"/>
-              </a:solidFill>
-              <a:latin typeface="Roboto"/>
-              <a:ea typeface="Roboto"/>
-              <a:cs typeface="Roboto"/>
-              <a:sym typeface="Roboto"/>
-            </a:endParaRPr>
-          </a:p>
-        </p:txBody>
-      </p:sp>
-      <p:pic>
-        <p:nvPicPr>
-          <p:cNvPr id="3" name="Grafik 2" descr="Ein Bild, das draußen, Baum, Screenshot, Text enthält.&#10;&#10;Automatisch generierte Beschreibung">
-            <a:extLst>
-              <a:ext uri="{FF2B5EF4-FFF2-40B4-BE49-F238E27FC236}">
-                <a16:creationId xmlns:a16="http://schemas.microsoft.com/office/drawing/2014/main" id="{A9AFE28F-2EBB-E6DF-E227-D7255C748FFC}"/>
-              </a:ext>
-            </a:extLst>
-          </p:cNvPr>
-          <p:cNvPicPr>
-            <a:picLocks noChangeAspect="1"/>
-          </p:cNvPicPr>
-          <p:nvPr/>
-        </p:nvPicPr>
-        <p:blipFill>
-          <a:blip r:embed="rId5"/>
-          <a:stretch>
-            <a:fillRect/>
-          </a:stretch>
-        </p:blipFill>
-        <p:spPr>
-          <a:xfrm>
-            <a:off x="10572750" y="3633787"/>
-            <a:ext cx="6370320" cy="3642360"/>
-          </a:xfrm>
-          <a:prstGeom prst="rect">
-            <a:avLst/>
-          </a:prstGeom>
-        </p:spPr>
-      </p:pic>
-    </p:spTree>
-    <p:extLst>
-      <p:ext uri="{BB962C8B-B14F-4D97-AF65-F5344CB8AC3E}">
-        <p14:creationId xmlns:p14="http://schemas.microsoft.com/office/powerpoint/2010/main" val="1394423738"/>
       </p:ext>
     </p:extLst>
   </p:cSld>
